--- a/Images/Figures_PPT/Jitter_Plot_SIN1_Domain.pptx
+++ b/Images/Figures_PPT/Jitter_Plot_SIN1_Domain.pptx
@@ -2359,7 +2359,7 @@
           </p:nvSpPr>
           <p:spPr>
             <a:xfrm>
-              <a:off x="1397280" y="5976893"/>
+              <a:off x="1397280" y="5976570"/>
               <a:ext cx="2817450" cy="0"/>
             </a:xfrm>
             <a:custGeom>
@@ -2402,7 +2402,7 @@
           </p:nvSpPr>
           <p:spPr>
             <a:xfrm>
-              <a:off x="1397280" y="4286978"/>
+              <a:off x="1397280" y="4286339"/>
               <a:ext cx="2817450" cy="0"/>
             </a:xfrm>
             <a:custGeom>
@@ -2445,7 +2445,7 @@
           </p:nvSpPr>
           <p:spPr>
             <a:xfrm>
-              <a:off x="1397280" y="2597063"/>
+              <a:off x="1397280" y="2596108"/>
               <a:ext cx="2817450" cy="0"/>
             </a:xfrm>
             <a:custGeom>
@@ -2488,7 +2488,7 @@
           </p:nvSpPr>
           <p:spPr>
             <a:xfrm>
-              <a:off x="1397280" y="6821850"/>
+              <a:off x="1397280" y="6821685"/>
               <a:ext cx="2817450" cy="0"/>
             </a:xfrm>
             <a:custGeom>
@@ -2531,7 +2531,7 @@
           </p:nvSpPr>
           <p:spPr>
             <a:xfrm>
-              <a:off x="1397280" y="5131936"/>
+              <a:off x="1397280" y="5131454"/>
               <a:ext cx="2817450" cy="0"/>
             </a:xfrm>
             <a:custGeom>
@@ -2574,7 +2574,7 @@
           </p:nvSpPr>
           <p:spPr>
             <a:xfrm>
-              <a:off x="1397280" y="3442021"/>
+              <a:off x="1397280" y="3441223"/>
               <a:ext cx="2817450" cy="0"/>
             </a:xfrm>
             <a:custGeom>
@@ -2617,7 +2617,7 @@
           </p:nvSpPr>
           <p:spPr>
             <a:xfrm>
-              <a:off x="1397280" y="1752106"/>
+              <a:off x="1397280" y="1750992"/>
               <a:ext cx="2817450" cy="0"/>
             </a:xfrm>
             <a:custGeom>
@@ -2746,7 +2746,7 @@
           </p:nvSpPr>
           <p:spPr>
             <a:xfrm>
-              <a:off x="1720995" y="3297659"/>
+              <a:off x="1781182" y="3297449"/>
               <a:ext cx="63202" cy="63202"/>
             </a:xfrm>
             <a:custGeom>
@@ -2789,7 +2789,7 @@
           </p:nvSpPr>
           <p:spPr>
             <a:xfrm>
-              <a:off x="2117670" y="3299175"/>
+              <a:off x="2066720" y="3298827"/>
               <a:ext cx="63202" cy="63202"/>
             </a:xfrm>
             <a:custGeom>
@@ -2832,7 +2832,7 @@
           </p:nvSpPr>
           <p:spPr>
             <a:xfrm>
-              <a:off x="2281116" y="3890436"/>
+              <a:off x="1636597" y="3889095"/>
               <a:ext cx="63202" cy="63202"/>
             </a:xfrm>
             <a:custGeom>
@@ -2875,7 +2875,7 @@
           </p:nvSpPr>
           <p:spPr>
             <a:xfrm>
-              <a:off x="1691352" y="3315325"/>
+              <a:off x="1885910" y="3313642"/>
               <a:ext cx="63202" cy="63202"/>
             </a:xfrm>
             <a:custGeom>
@@ -2918,7 +2918,7 @@
           </p:nvSpPr>
           <p:spPr>
             <a:xfrm>
-              <a:off x="2466520" y="3751571"/>
+              <a:off x="2115626" y="3750798"/>
               <a:ext cx="63202" cy="63202"/>
             </a:xfrm>
             <a:custGeom>
@@ -2961,7 +2961,7 @@
           </p:nvSpPr>
           <p:spPr>
             <a:xfrm>
-              <a:off x="1652143" y="3701500"/>
+              <a:off x="1625858" y="3699511"/>
               <a:ext cx="63202" cy="63202"/>
             </a:xfrm>
             <a:custGeom>
@@ -3060,7 +3060,7 @@
           </p:nvSpPr>
           <p:spPr>
             <a:xfrm>
-              <a:off x="4284320" y="5976893"/>
+              <a:off x="4284320" y="5976570"/>
               <a:ext cx="2817450" cy="0"/>
             </a:xfrm>
             <a:custGeom>
@@ -3103,7 +3103,7 @@
           </p:nvSpPr>
           <p:spPr>
             <a:xfrm>
-              <a:off x="4284320" y="4286978"/>
+              <a:off x="4284320" y="4286339"/>
               <a:ext cx="2817450" cy="0"/>
             </a:xfrm>
             <a:custGeom>
@@ -3146,7 +3146,7 @@
           </p:nvSpPr>
           <p:spPr>
             <a:xfrm>
-              <a:off x="4284320" y="2597063"/>
+              <a:off x="4284320" y="2596108"/>
               <a:ext cx="2817450" cy="0"/>
             </a:xfrm>
             <a:custGeom>
@@ -3189,7 +3189,7 @@
           </p:nvSpPr>
           <p:spPr>
             <a:xfrm>
-              <a:off x="4284320" y="6821850"/>
+              <a:off x="4284320" y="6821685"/>
               <a:ext cx="2817450" cy="0"/>
             </a:xfrm>
             <a:custGeom>
@@ -3232,7 +3232,7 @@
           </p:nvSpPr>
           <p:spPr>
             <a:xfrm>
-              <a:off x="4284320" y="5131936"/>
+              <a:off x="4284320" y="5131454"/>
               <a:ext cx="2817450" cy="0"/>
             </a:xfrm>
             <a:custGeom>
@@ -3275,7 +3275,7 @@
           </p:nvSpPr>
           <p:spPr>
             <a:xfrm>
-              <a:off x="4284320" y="3442021"/>
+              <a:off x="4284320" y="3441223"/>
               <a:ext cx="2817450" cy="0"/>
             </a:xfrm>
             <a:custGeom>
@@ -3318,7 +3318,7 @@
           </p:nvSpPr>
           <p:spPr>
             <a:xfrm>
-              <a:off x="4284320" y="1752106"/>
+              <a:off x="4284320" y="1750992"/>
               <a:ext cx="2817450" cy="0"/>
             </a:xfrm>
             <a:custGeom>
@@ -3447,7 +3447,7 @@
           </p:nvSpPr>
           <p:spPr>
             <a:xfrm>
-              <a:off x="6311948" y="6009725"/>
+              <a:off x="5859412" y="6008258"/>
               <a:ext cx="63202" cy="63202"/>
             </a:xfrm>
             <a:custGeom>
@@ -3490,7 +3490,7 @@
           </p:nvSpPr>
           <p:spPr>
             <a:xfrm>
-              <a:off x="5819490" y="5677353"/>
+              <a:off x="6419849" y="5678679"/>
               <a:ext cx="63202" cy="63202"/>
             </a:xfrm>
             <a:custGeom>
@@ -3589,7 +3589,7 @@
           </p:nvSpPr>
           <p:spPr>
             <a:xfrm>
-              <a:off x="7171360" y="5976893"/>
+              <a:off x="7171360" y="5976570"/>
               <a:ext cx="2817450" cy="0"/>
             </a:xfrm>
             <a:custGeom>
@@ -3632,7 +3632,7 @@
           </p:nvSpPr>
           <p:spPr>
             <a:xfrm>
-              <a:off x="7171360" y="4286978"/>
+              <a:off x="7171360" y="4286339"/>
               <a:ext cx="2817450" cy="0"/>
             </a:xfrm>
             <a:custGeom>
@@ -3675,7 +3675,7 @@
           </p:nvSpPr>
           <p:spPr>
             <a:xfrm>
-              <a:off x="7171360" y="2597063"/>
+              <a:off x="7171360" y="2596108"/>
               <a:ext cx="2817450" cy="0"/>
             </a:xfrm>
             <a:custGeom>
@@ -3718,7 +3718,7 @@
           </p:nvSpPr>
           <p:spPr>
             <a:xfrm>
-              <a:off x="7171360" y="6821850"/>
+              <a:off x="7171360" y="6821685"/>
               <a:ext cx="2817450" cy="0"/>
             </a:xfrm>
             <a:custGeom>
@@ -3761,7 +3761,7 @@
           </p:nvSpPr>
           <p:spPr>
             <a:xfrm>
-              <a:off x="7171360" y="5131936"/>
+              <a:off x="7171360" y="5131454"/>
               <a:ext cx="2817450" cy="0"/>
             </a:xfrm>
             <a:custGeom>
@@ -3804,7 +3804,7 @@
           </p:nvSpPr>
           <p:spPr>
             <a:xfrm>
-              <a:off x="7171360" y="3442021"/>
+              <a:off x="7171360" y="3441223"/>
               <a:ext cx="2817450" cy="0"/>
             </a:xfrm>
             <a:custGeom>
@@ -3847,7 +3847,7 @@
           </p:nvSpPr>
           <p:spPr>
             <a:xfrm>
-              <a:off x="7171360" y="1752106"/>
+              <a:off x="7171360" y="1750992"/>
               <a:ext cx="2817450" cy="0"/>
             </a:xfrm>
             <a:custGeom>
@@ -3976,7 +3976,7 @@
           </p:nvSpPr>
           <p:spPr>
             <a:xfrm>
-              <a:off x="8029655" y="2994771"/>
+              <a:off x="8012987" y="2995049"/>
               <a:ext cx="63202" cy="63202"/>
             </a:xfrm>
             <a:custGeom>
@@ -4019,7 +4019,7 @@
           </p:nvSpPr>
           <p:spPr>
             <a:xfrm>
-              <a:off x="8109711" y="3270783"/>
+              <a:off x="8382402" y="3271083"/>
               <a:ext cx="63202" cy="63202"/>
             </a:xfrm>
             <a:custGeom>
@@ -4062,7 +4062,7 @@
           </p:nvSpPr>
           <p:spPr>
             <a:xfrm>
-              <a:off x="8912078" y="6634049"/>
+              <a:off x="9070442" y="6634049"/>
               <a:ext cx="63202" cy="63202"/>
             </a:xfrm>
             <a:custGeom>
@@ -4105,7 +4105,7 @@
           </p:nvSpPr>
           <p:spPr>
             <a:xfrm>
-              <a:off x="8885308" y="6469455"/>
+              <a:off x="9657060" y="6468785"/>
               <a:ext cx="63202" cy="63202"/>
             </a:xfrm>
             <a:custGeom>
@@ -4148,7 +4148,7 @@
           </p:nvSpPr>
           <p:spPr>
             <a:xfrm>
-              <a:off x="8692996" y="5156451"/>
+              <a:off x="9284774" y="5156201"/>
               <a:ext cx="63202" cy="63202"/>
             </a:xfrm>
             <a:custGeom>
@@ -4191,7 +4191,7 @@
           </p:nvSpPr>
           <p:spPr>
             <a:xfrm>
-              <a:off x="8245995" y="3439782"/>
+              <a:off x="7746302" y="3438768"/>
               <a:ext cx="63202" cy="63202"/>
             </a:xfrm>
             <a:custGeom>
@@ -4234,7 +4234,7 @@
           </p:nvSpPr>
           <p:spPr>
             <a:xfrm>
-              <a:off x="9555872" y="6137268"/>
+              <a:off x="9199896" y="6138548"/>
               <a:ext cx="63202" cy="63202"/>
             </a:xfrm>
             <a:custGeom>
@@ -4277,7 +4277,7 @@
           </p:nvSpPr>
           <p:spPr>
             <a:xfrm>
-              <a:off x="8760873" y="5777378"/>
+              <a:off x="9482896" y="5777135"/>
               <a:ext cx="63202" cy="63202"/>
             </a:xfrm>
             <a:custGeom>
@@ -4320,7 +4320,7 @@
           </p:nvSpPr>
           <p:spPr>
             <a:xfrm>
-              <a:off x="7977446" y="4653821"/>
+              <a:off x="8084777" y="4652990"/>
               <a:ext cx="63202" cy="63202"/>
             </a:xfrm>
             <a:custGeom>
@@ -4363,7 +4363,7 @@
           </p:nvSpPr>
           <p:spPr>
             <a:xfrm>
-              <a:off x="8215441" y="2274793"/>
+              <a:off x="7802068" y="2274679"/>
               <a:ext cx="63202" cy="63202"/>
             </a:xfrm>
             <a:custGeom>
@@ -4406,7 +4406,7 @@
           </p:nvSpPr>
           <p:spPr>
             <a:xfrm>
-              <a:off x="7859865" y="2873617"/>
+              <a:off x="7585601" y="2872046"/>
               <a:ext cx="63202" cy="63202"/>
             </a:xfrm>
             <a:custGeom>
@@ -4449,7 +4449,7 @@
           </p:nvSpPr>
           <p:spPr>
             <a:xfrm>
-              <a:off x="8128365" y="2463939"/>
+              <a:off x="7427964" y="2463657"/>
               <a:ext cx="63202" cy="63202"/>
             </a:xfrm>
             <a:custGeom>
@@ -4492,7 +4492,7 @@
           </p:nvSpPr>
           <p:spPr>
             <a:xfrm>
-              <a:off x="7522084" y="4711828"/>
+              <a:off x="8336331" y="4711133"/>
               <a:ext cx="63202" cy="63202"/>
             </a:xfrm>
             <a:custGeom>
@@ -4535,7 +4535,7 @@
           </p:nvSpPr>
           <p:spPr>
             <a:xfrm>
-              <a:off x="7907633" y="2578849"/>
+              <a:off x="8366337" y="2577867"/>
               <a:ext cx="63202" cy="63202"/>
             </a:xfrm>
             <a:custGeom>
@@ -4578,7 +4578,7 @@
           </p:nvSpPr>
           <p:spPr>
             <a:xfrm>
-              <a:off x="8365644" y="2238114"/>
+              <a:off x="7880801" y="2236062"/>
               <a:ext cx="63202" cy="63202"/>
             </a:xfrm>
             <a:custGeom>
@@ -4621,7 +4621,7 @@
           </p:nvSpPr>
           <p:spPr>
             <a:xfrm>
-              <a:off x="7749442" y="2237381"/>
+              <a:off x="7637585" y="2236346"/>
               <a:ext cx="63202" cy="63202"/>
             </a:xfrm>
             <a:custGeom>
@@ -4664,7 +4664,7 @@
           </p:nvSpPr>
           <p:spPr>
             <a:xfrm>
-              <a:off x="7416803" y="2238487"/>
+              <a:off x="7659258" y="2235910"/>
               <a:ext cx="63202" cy="63202"/>
             </a:xfrm>
             <a:custGeom>
@@ -4707,7 +4707,7 @@
           </p:nvSpPr>
           <p:spPr>
             <a:xfrm>
-              <a:off x="8227597" y="2236621"/>
+              <a:off x="7416436" y="2235654"/>
               <a:ext cx="63202" cy="63202"/>
             </a:xfrm>
             <a:custGeom>
@@ -4750,7 +4750,7 @@
           </p:nvSpPr>
           <p:spPr>
             <a:xfrm>
-              <a:off x="7671835" y="2237419"/>
+              <a:off x="8399851" y="2235872"/>
               <a:ext cx="63202" cy="63202"/>
             </a:xfrm>
             <a:custGeom>
@@ -4793,7 +4793,7 @@
           </p:nvSpPr>
           <p:spPr>
             <a:xfrm>
-              <a:off x="8309550" y="4897367"/>
+              <a:off x="8306306" y="4897638"/>
               <a:ext cx="63202" cy="63202"/>
             </a:xfrm>
             <a:custGeom>
@@ -4836,7 +4836,7 @@
           </p:nvSpPr>
           <p:spPr>
             <a:xfrm>
-              <a:off x="7496401" y="4484295"/>
+              <a:off x="7697384" y="4483787"/>
               <a:ext cx="63202" cy="63202"/>
             </a:xfrm>
             <a:custGeom>
@@ -4879,7 +4879,7 @@
           </p:nvSpPr>
           <p:spPr>
             <a:xfrm>
-              <a:off x="7914634" y="2577966"/>
+              <a:off x="8404854" y="2576835"/>
               <a:ext cx="63202" cy="63202"/>
             </a:xfrm>
             <a:custGeom>
@@ -4922,7 +4922,7 @@
           </p:nvSpPr>
           <p:spPr>
             <a:xfrm>
-              <a:off x="7731341" y="3367503"/>
+              <a:off x="7936942" y="3365852"/>
               <a:ext cx="63202" cy="63202"/>
             </a:xfrm>
             <a:custGeom>
@@ -4965,7 +4965,7 @@
           </p:nvSpPr>
           <p:spPr>
             <a:xfrm>
-              <a:off x="8109654" y="3200136"/>
+              <a:off x="8115304" y="3199193"/>
               <a:ext cx="63202" cy="63202"/>
             </a:xfrm>
             <a:custGeom>
@@ -5008,7 +5008,7 @@
           </p:nvSpPr>
           <p:spPr>
             <a:xfrm>
-              <a:off x="8189170" y="4933700"/>
+              <a:off x="7705255" y="4935316"/>
               <a:ext cx="63202" cy="63202"/>
             </a:xfrm>
             <a:custGeom>
@@ -5051,7 +5051,7 @@
           </p:nvSpPr>
           <p:spPr>
             <a:xfrm>
-              <a:off x="7955098" y="4540561"/>
+              <a:off x="7940805" y="4539433"/>
               <a:ext cx="63202" cy="63202"/>
             </a:xfrm>
             <a:custGeom>
@@ -5094,7 +5094,7 @@
           </p:nvSpPr>
           <p:spPr>
             <a:xfrm>
-              <a:off x="8943860" y="5111015"/>
+              <a:off x="8741272" y="5110039"/>
               <a:ext cx="63202" cy="63202"/>
             </a:xfrm>
             <a:custGeom>
@@ -5137,7 +5137,7 @@
           </p:nvSpPr>
           <p:spPr>
             <a:xfrm>
-              <a:off x="7537354" y="2038009"/>
+              <a:off x="8186823" y="2037531"/>
               <a:ext cx="63202" cy="63202"/>
             </a:xfrm>
             <a:custGeom>
@@ -5180,7 +5180,7 @@
           </p:nvSpPr>
           <p:spPr>
             <a:xfrm>
-              <a:off x="7768152" y="3127258"/>
+              <a:off x="7721102" y="3126800"/>
               <a:ext cx="63202" cy="63202"/>
             </a:xfrm>
             <a:custGeom>
@@ -5223,7 +5223,7 @@
           </p:nvSpPr>
           <p:spPr>
             <a:xfrm>
-              <a:off x="8100877" y="3451029"/>
+              <a:off x="8318869" y="3449108"/>
               <a:ext cx="63202" cy="63202"/>
             </a:xfrm>
             <a:custGeom>
@@ -5266,7 +5266,7 @@
           </p:nvSpPr>
           <p:spPr>
             <a:xfrm>
-              <a:off x="7788485" y="4496226"/>
+              <a:off x="8334806" y="4495804"/>
               <a:ext cx="63202" cy="63202"/>
             </a:xfrm>
             <a:custGeom>
@@ -5309,7 +5309,7 @@
           </p:nvSpPr>
           <p:spPr>
             <a:xfrm>
-              <a:off x="7468503" y="2406571"/>
+              <a:off x="8390431" y="2406526"/>
               <a:ext cx="63202" cy="63202"/>
             </a:xfrm>
             <a:custGeom>
@@ -5352,7 +5352,7 @@
           </p:nvSpPr>
           <p:spPr>
             <a:xfrm>
-              <a:off x="7884622" y="2274083"/>
+              <a:off x="7996638" y="2273662"/>
               <a:ext cx="63202" cy="63202"/>
             </a:xfrm>
             <a:custGeom>
@@ -5395,7 +5395,7 @@
           </p:nvSpPr>
           <p:spPr>
             <a:xfrm>
-              <a:off x="7657876" y="3576321"/>
+              <a:off x="8373786" y="3574461"/>
               <a:ext cx="63202" cy="63202"/>
             </a:xfrm>
             <a:custGeom>
@@ -5438,7 +5438,7 @@
           </p:nvSpPr>
           <p:spPr>
             <a:xfrm>
-              <a:off x="7430130" y="4558732"/>
+              <a:off x="7903893" y="4559653"/>
               <a:ext cx="63202" cy="63202"/>
             </a:xfrm>
             <a:custGeom>
@@ -5481,7 +5481,7 @@
           </p:nvSpPr>
           <p:spPr>
             <a:xfrm>
-              <a:off x="7429813" y="2158982"/>
+              <a:off x="7881614" y="2158120"/>
               <a:ext cx="63202" cy="63202"/>
             </a:xfrm>
             <a:custGeom>
@@ -5524,7 +5524,7 @@
           </p:nvSpPr>
           <p:spPr>
             <a:xfrm>
-              <a:off x="7567606" y="2471572"/>
+              <a:off x="7795309" y="2470245"/>
               <a:ext cx="63202" cy="63202"/>
             </a:xfrm>
             <a:custGeom>
@@ -5567,7 +5567,7 @@
           </p:nvSpPr>
           <p:spPr>
             <a:xfrm>
-              <a:off x="7404132" y="2084655"/>
+              <a:off x="7614793" y="2085270"/>
               <a:ext cx="63202" cy="63202"/>
             </a:xfrm>
             <a:custGeom>
@@ -5610,7 +5610,7 @@
           </p:nvSpPr>
           <p:spPr>
             <a:xfrm>
-              <a:off x="7861407" y="2463157"/>
+              <a:off x="7912699" y="2463298"/>
               <a:ext cx="63202" cy="63202"/>
             </a:xfrm>
             <a:custGeom>
@@ -5653,7 +5653,7 @@
           </p:nvSpPr>
           <p:spPr>
             <a:xfrm>
-              <a:off x="7829615" y="2036100"/>
+              <a:off x="7651501" y="2035026"/>
               <a:ext cx="63202" cy="63202"/>
             </a:xfrm>
             <a:custGeom>
@@ -5696,7 +5696,7 @@
           </p:nvSpPr>
           <p:spPr>
             <a:xfrm>
-              <a:off x="8243892" y="2740123"/>
+              <a:off x="8334240" y="2741209"/>
               <a:ext cx="63202" cy="63202"/>
             </a:xfrm>
             <a:custGeom>
@@ -5739,7 +5739,7 @@
           </p:nvSpPr>
           <p:spPr>
             <a:xfrm>
-              <a:off x="8253267" y="1641734"/>
+              <a:off x="7477431" y="1641734"/>
               <a:ext cx="63202" cy="63202"/>
             </a:xfrm>
             <a:custGeom>
@@ -5782,7 +5782,7 @@
           </p:nvSpPr>
           <p:spPr>
             <a:xfrm>
-              <a:off x="7517239" y="3233861"/>
+              <a:off x="7962098" y="3232806"/>
               <a:ext cx="63202" cy="63202"/>
             </a:xfrm>
             <a:custGeom>
@@ -5825,7 +5825,7 @@
           </p:nvSpPr>
           <p:spPr>
             <a:xfrm>
-              <a:off x="8411630" y="2632037"/>
+              <a:off x="8196987" y="2632675"/>
               <a:ext cx="63202" cy="63202"/>
             </a:xfrm>
             <a:custGeom>
@@ -5868,7 +5868,7 @@
           </p:nvSpPr>
           <p:spPr>
             <a:xfrm>
-              <a:off x="7509701" y="2510124"/>
+              <a:off x="7675200" y="2510841"/>
               <a:ext cx="63202" cy="63202"/>
             </a:xfrm>
             <a:custGeom>
@@ -5911,7 +5911,7 @@
           </p:nvSpPr>
           <p:spPr>
             <a:xfrm>
-              <a:off x="7560010" y="2738683"/>
+              <a:off x="8219679" y="2738238"/>
               <a:ext cx="63202" cy="63202"/>
             </a:xfrm>
             <a:custGeom>
@@ -5954,7 +5954,7 @@
           </p:nvSpPr>
           <p:spPr>
             <a:xfrm>
-              <a:off x="7716859" y="3245804"/>
+              <a:off x="7603397" y="3244624"/>
               <a:ext cx="63202" cy="63202"/>
             </a:xfrm>
             <a:custGeom>
@@ -5997,7 +5997,7 @@
           </p:nvSpPr>
           <p:spPr>
             <a:xfrm>
-              <a:off x="8233104" y="2934453"/>
+              <a:off x="8168809" y="2932055"/>
               <a:ext cx="63202" cy="63202"/>
             </a:xfrm>
             <a:custGeom>
@@ -6040,7 +6040,7 @@
           </p:nvSpPr>
           <p:spPr>
             <a:xfrm>
-              <a:off x="7569444" y="3089635"/>
+              <a:off x="8006196" y="3087614"/>
               <a:ext cx="63202" cy="63202"/>
             </a:xfrm>
             <a:custGeom>
@@ -6083,7 +6083,7 @@
           </p:nvSpPr>
           <p:spPr>
             <a:xfrm>
-              <a:off x="8168642" y="3019111"/>
+              <a:off x="7814865" y="3016591"/>
               <a:ext cx="63202" cy="63202"/>
             </a:xfrm>
             <a:custGeom>
@@ -6126,7 +6126,7 @@
           </p:nvSpPr>
           <p:spPr>
             <a:xfrm>
-              <a:off x="8232732" y="3287952"/>
+              <a:off x="7417623" y="3287513"/>
               <a:ext cx="63202" cy="63202"/>
             </a:xfrm>
             <a:custGeom>
@@ -6169,7 +6169,7 @@
           </p:nvSpPr>
           <p:spPr>
             <a:xfrm>
-              <a:off x="8225305" y="3769916"/>
+              <a:off x="7995867" y="3768090"/>
               <a:ext cx="63202" cy="63202"/>
             </a:xfrm>
             <a:custGeom>
@@ -7001,7 +7001,7 @@
           </p:nvSpPr>
           <p:spPr>
             <a:xfrm>
-              <a:off x="1148183" y="6780159"/>
+              <a:off x="1148183" y="6779994"/>
               <a:ext cx="186466" cy="81691"/>
             </a:xfrm>
             <a:prstGeom prst="rect">
@@ -7047,7 +7047,7 @@
           </p:nvSpPr>
           <p:spPr>
             <a:xfrm>
-              <a:off x="1148183" y="5090244"/>
+              <a:off x="1148183" y="5089763"/>
               <a:ext cx="186466" cy="81691"/>
             </a:xfrm>
             <a:prstGeom prst="rect">
@@ -7093,7 +7093,7 @@
           </p:nvSpPr>
           <p:spPr>
             <a:xfrm>
-              <a:off x="1148183" y="3400329"/>
+              <a:off x="1148183" y="3399531"/>
               <a:ext cx="186466" cy="81691"/>
             </a:xfrm>
             <a:prstGeom prst="rect">
@@ -7139,7 +7139,7 @@
           </p:nvSpPr>
           <p:spPr>
             <a:xfrm>
-              <a:off x="1148183" y="1710414"/>
+              <a:off x="1148183" y="1709300"/>
               <a:ext cx="186466" cy="81691"/>
             </a:xfrm>
             <a:prstGeom prst="rect">
@@ -7185,7 +7185,7 @@
           </p:nvSpPr>
           <p:spPr>
             <a:xfrm>
-              <a:off x="1362485" y="6821850"/>
+              <a:off x="1362485" y="6821685"/>
               <a:ext cx="34794" cy="0"/>
             </a:xfrm>
             <a:custGeom>
@@ -7225,7 +7225,7 @@
           </p:nvSpPr>
           <p:spPr>
             <a:xfrm>
-              <a:off x="1362485" y="5131936"/>
+              <a:off x="1362485" y="5131454"/>
               <a:ext cx="34794" cy="0"/>
             </a:xfrm>
             <a:custGeom>
@@ -7265,7 +7265,7 @@
           </p:nvSpPr>
           <p:spPr>
             <a:xfrm>
-              <a:off x="1362485" y="3442021"/>
+              <a:off x="1362485" y="3441223"/>
               <a:ext cx="34794" cy="0"/>
             </a:xfrm>
             <a:custGeom>
@@ -7305,7 +7305,7 @@
           </p:nvSpPr>
           <p:spPr>
             <a:xfrm>
-              <a:off x="1362485" y="1752106"/>
+              <a:off x="1362485" y="1750992"/>
               <a:ext cx="34794" cy="0"/>
             </a:xfrm>
             <a:custGeom>

--- a/Images/Figures_PPT/Jitter_Plot_SIN1_Domain.pptx
+++ b/Images/Figures_PPT/Jitter_Plot_SIN1_Domain.pptx
@@ -2359,7 +2359,7 @@
           </p:nvSpPr>
           <p:spPr>
             <a:xfrm>
-              <a:off x="1397280" y="5976570"/>
+              <a:off x="1397280" y="5976009"/>
               <a:ext cx="2817450" cy="0"/>
             </a:xfrm>
             <a:custGeom>
@@ -2402,7 +2402,7 @@
           </p:nvSpPr>
           <p:spPr>
             <a:xfrm>
-              <a:off x="1397280" y="4286339"/>
+              <a:off x="1397280" y="4285582"/>
               <a:ext cx="2817450" cy="0"/>
             </a:xfrm>
             <a:custGeom>
@@ -2445,7 +2445,7 @@
           </p:nvSpPr>
           <p:spPr>
             <a:xfrm>
-              <a:off x="1397280" y="2596108"/>
+              <a:off x="1397280" y="2595154"/>
               <a:ext cx="2817450" cy="0"/>
             </a:xfrm>
             <a:custGeom>
@@ -2488,7 +2488,7 @@
           </p:nvSpPr>
           <p:spPr>
             <a:xfrm>
-              <a:off x="1397280" y="6821685"/>
+              <a:off x="1397280" y="6821223"/>
               <a:ext cx="2817450" cy="0"/>
             </a:xfrm>
             <a:custGeom>
@@ -2531,7 +2531,7 @@
           </p:nvSpPr>
           <p:spPr>
             <a:xfrm>
-              <a:off x="1397280" y="5131454"/>
+              <a:off x="1397280" y="5130796"/>
               <a:ext cx="2817450" cy="0"/>
             </a:xfrm>
             <a:custGeom>
@@ -2574,7 +2574,7 @@
           </p:nvSpPr>
           <p:spPr>
             <a:xfrm>
-              <a:off x="1397280" y="3441223"/>
+              <a:off x="1397280" y="3440368"/>
               <a:ext cx="2817450" cy="0"/>
             </a:xfrm>
             <a:custGeom>
@@ -2617,7 +2617,7 @@
           </p:nvSpPr>
           <p:spPr>
             <a:xfrm>
-              <a:off x="1397280" y="1750992"/>
+              <a:off x="1397280" y="1749940"/>
               <a:ext cx="2817450" cy="0"/>
             </a:xfrm>
             <a:custGeom>
@@ -2746,7 +2746,7 @@
           </p:nvSpPr>
           <p:spPr>
             <a:xfrm>
-              <a:off x="1781182" y="3297449"/>
+              <a:off x="2456264" y="3298041"/>
               <a:ext cx="63202" cy="63202"/>
             </a:xfrm>
             <a:custGeom>
@@ -2789,7 +2789,7 @@
           </p:nvSpPr>
           <p:spPr>
             <a:xfrm>
-              <a:off x="2066720" y="3298827"/>
+              <a:off x="2549254" y="3298347"/>
               <a:ext cx="63202" cy="63202"/>
             </a:xfrm>
             <a:custGeom>
@@ -2832,7 +2832,7 @@
           </p:nvSpPr>
           <p:spPr>
             <a:xfrm>
-              <a:off x="1636597" y="3889095"/>
+              <a:off x="2485718" y="3887896"/>
               <a:ext cx="63202" cy="63202"/>
             </a:xfrm>
             <a:custGeom>
@@ -2875,7 +2875,7 @@
           </p:nvSpPr>
           <p:spPr>
             <a:xfrm>
-              <a:off x="1885910" y="3313642"/>
+              <a:off x="1682773" y="3314156"/>
               <a:ext cx="63202" cy="63202"/>
             </a:xfrm>
             <a:custGeom>
@@ -2918,7 +2918,7 @@
           </p:nvSpPr>
           <p:spPr>
             <a:xfrm>
-              <a:off x="2115626" y="3750798"/>
+              <a:off x="1735495" y="3749519"/>
               <a:ext cx="63202" cy="63202"/>
             </a:xfrm>
             <a:custGeom>
@@ -2961,7 +2961,7 @@
           </p:nvSpPr>
           <p:spPr>
             <a:xfrm>
-              <a:off x="1625858" y="3699511"/>
+              <a:off x="2258533" y="3698928"/>
               <a:ext cx="63202" cy="63202"/>
             </a:xfrm>
             <a:custGeom>
@@ -3060,7 +3060,7 @@
           </p:nvSpPr>
           <p:spPr>
             <a:xfrm>
-              <a:off x="4284320" y="5976570"/>
+              <a:off x="4284320" y="5976009"/>
               <a:ext cx="2817450" cy="0"/>
             </a:xfrm>
             <a:custGeom>
@@ -3103,7 +3103,7 @@
           </p:nvSpPr>
           <p:spPr>
             <a:xfrm>
-              <a:off x="4284320" y="4286339"/>
+              <a:off x="4284320" y="4285582"/>
               <a:ext cx="2817450" cy="0"/>
             </a:xfrm>
             <a:custGeom>
@@ -3146,7 +3146,7 @@
           </p:nvSpPr>
           <p:spPr>
             <a:xfrm>
-              <a:off x="4284320" y="2596108"/>
+              <a:off x="4284320" y="2595154"/>
               <a:ext cx="2817450" cy="0"/>
             </a:xfrm>
             <a:custGeom>
@@ -3189,7 +3189,7 @@
           </p:nvSpPr>
           <p:spPr>
             <a:xfrm>
-              <a:off x="4284320" y="6821685"/>
+              <a:off x="4284320" y="6821223"/>
               <a:ext cx="2817450" cy="0"/>
             </a:xfrm>
             <a:custGeom>
@@ -3232,7 +3232,7 @@
           </p:nvSpPr>
           <p:spPr>
             <a:xfrm>
-              <a:off x="4284320" y="5131454"/>
+              <a:off x="4284320" y="5130796"/>
               <a:ext cx="2817450" cy="0"/>
             </a:xfrm>
             <a:custGeom>
@@ -3275,7 +3275,7 @@
           </p:nvSpPr>
           <p:spPr>
             <a:xfrm>
-              <a:off x="4284320" y="3441223"/>
+              <a:off x="4284320" y="3440368"/>
               <a:ext cx="2817450" cy="0"/>
             </a:xfrm>
             <a:custGeom>
@@ -3318,7 +3318,7 @@
           </p:nvSpPr>
           <p:spPr>
             <a:xfrm>
-              <a:off x="4284320" y="1750992"/>
+              <a:off x="4284320" y="1749940"/>
               <a:ext cx="2817450" cy="0"/>
             </a:xfrm>
             <a:custGeom>
@@ -3447,7 +3447,7 @@
           </p:nvSpPr>
           <p:spPr>
             <a:xfrm>
-              <a:off x="5859412" y="6008258"/>
+              <a:off x="6470845" y="6009268"/>
               <a:ext cx="63202" cy="63202"/>
             </a:xfrm>
             <a:custGeom>
@@ -3490,7 +3490,7 @@
           </p:nvSpPr>
           <p:spPr>
             <a:xfrm>
-              <a:off x="6419849" y="5678679"/>
+              <a:off x="6012520" y="5677345"/>
               <a:ext cx="63202" cy="63202"/>
             </a:xfrm>
             <a:custGeom>
@@ -3589,7 +3589,7 @@
           </p:nvSpPr>
           <p:spPr>
             <a:xfrm>
-              <a:off x="7171360" y="5976570"/>
+              <a:off x="7171360" y="5976009"/>
               <a:ext cx="2817450" cy="0"/>
             </a:xfrm>
             <a:custGeom>
@@ -3632,7 +3632,7 @@
           </p:nvSpPr>
           <p:spPr>
             <a:xfrm>
-              <a:off x="7171360" y="4286339"/>
+              <a:off x="7171360" y="4285582"/>
               <a:ext cx="2817450" cy="0"/>
             </a:xfrm>
             <a:custGeom>
@@ -3675,7 +3675,7 @@
           </p:nvSpPr>
           <p:spPr>
             <a:xfrm>
-              <a:off x="7171360" y="2596108"/>
+              <a:off x="7171360" y="2595154"/>
               <a:ext cx="2817450" cy="0"/>
             </a:xfrm>
             <a:custGeom>
@@ -3718,7 +3718,7 @@
           </p:nvSpPr>
           <p:spPr>
             <a:xfrm>
-              <a:off x="7171360" y="6821685"/>
+              <a:off x="7171360" y="6821223"/>
               <a:ext cx="2817450" cy="0"/>
             </a:xfrm>
             <a:custGeom>
@@ -3761,7 +3761,7 @@
           </p:nvSpPr>
           <p:spPr>
             <a:xfrm>
-              <a:off x="7171360" y="5131454"/>
+              <a:off x="7171360" y="5130796"/>
               <a:ext cx="2817450" cy="0"/>
             </a:xfrm>
             <a:custGeom>
@@ -3804,7 +3804,7 @@
           </p:nvSpPr>
           <p:spPr>
             <a:xfrm>
-              <a:off x="7171360" y="3441223"/>
+              <a:off x="7171360" y="3440368"/>
               <a:ext cx="2817450" cy="0"/>
             </a:xfrm>
             <a:custGeom>
@@ -3847,7 +3847,7 @@
           </p:nvSpPr>
           <p:spPr>
             <a:xfrm>
-              <a:off x="7171360" y="1750992"/>
+              <a:off x="7171360" y="1749940"/>
               <a:ext cx="2817450" cy="0"/>
             </a:xfrm>
             <a:custGeom>
@@ -3976,7 +3976,7 @@
           </p:nvSpPr>
           <p:spPr>
             <a:xfrm>
-              <a:off x="8012987" y="2995049"/>
+              <a:off x="8142165" y="2992042"/>
               <a:ext cx="63202" cy="63202"/>
             </a:xfrm>
             <a:custGeom>
@@ -4019,7 +4019,7 @@
           </p:nvSpPr>
           <p:spPr>
             <a:xfrm>
-              <a:off x="8382402" y="3271083"/>
+              <a:off x="7949337" y="3268834"/>
               <a:ext cx="63202" cy="63202"/>
             </a:xfrm>
             <a:custGeom>
@@ -4062,7 +4062,7 @@
           </p:nvSpPr>
           <p:spPr>
             <a:xfrm>
-              <a:off x="9070442" y="6634049"/>
+              <a:off x="9266039" y="6634049"/>
               <a:ext cx="63202" cy="63202"/>
             </a:xfrm>
             <a:custGeom>
@@ -4105,7 +4105,7 @@
           </p:nvSpPr>
           <p:spPr>
             <a:xfrm>
-              <a:off x="9657060" y="6468785"/>
+              <a:off x="9494175" y="6467404"/>
               <a:ext cx="63202" cy="63202"/>
             </a:xfrm>
             <a:custGeom>
@@ -4148,7 +4148,7 @@
           </p:nvSpPr>
           <p:spPr>
             <a:xfrm>
-              <a:off x="9284774" y="5156201"/>
+              <a:off x="8909510" y="5156323"/>
               <a:ext cx="63202" cy="63202"/>
             </a:xfrm>
             <a:custGeom>
@@ -4191,7 +4191,7 @@
           </p:nvSpPr>
           <p:spPr>
             <a:xfrm>
-              <a:off x="7746302" y="3438768"/>
+              <a:off x="8032846" y="3440349"/>
               <a:ext cx="63202" cy="63202"/>
             </a:xfrm>
             <a:custGeom>
@@ -4234,7 +4234,7 @@
           </p:nvSpPr>
           <p:spPr>
             <a:xfrm>
-              <a:off x="9199896" y="6138548"/>
+              <a:off x="9237540" y="6136368"/>
               <a:ext cx="63202" cy="63202"/>
             </a:xfrm>
             <a:custGeom>
@@ -4277,7 +4277,7 @@
           </p:nvSpPr>
           <p:spPr>
             <a:xfrm>
-              <a:off x="9482896" y="5777135"/>
+              <a:off x="9384588" y="5775823"/>
               <a:ext cx="63202" cy="63202"/>
             </a:xfrm>
             <a:custGeom>
@@ -4320,7 +4320,7 @@
           </p:nvSpPr>
           <p:spPr>
             <a:xfrm>
-              <a:off x="8084777" y="4652990"/>
+              <a:off x="7771805" y="4652600"/>
               <a:ext cx="63202" cy="63202"/>
             </a:xfrm>
             <a:custGeom>
@@ -4363,7 +4363,7 @@
           </p:nvSpPr>
           <p:spPr>
             <a:xfrm>
-              <a:off x="7802068" y="2274679"/>
+              <a:off x="8070846" y="2272713"/>
               <a:ext cx="63202" cy="63202"/>
             </a:xfrm>
             <a:custGeom>
@@ -4406,7 +4406,7 @@
           </p:nvSpPr>
           <p:spPr>
             <a:xfrm>
-              <a:off x="7585601" y="2872046"/>
+              <a:off x="8057716" y="2872278"/>
               <a:ext cx="63202" cy="63202"/>
             </a:xfrm>
             <a:custGeom>
@@ -4449,7 +4449,7 @@
           </p:nvSpPr>
           <p:spPr>
             <a:xfrm>
-              <a:off x="7427964" y="2463657"/>
+              <a:off x="8011161" y="2461149"/>
               <a:ext cx="63202" cy="63202"/>
             </a:xfrm>
             <a:custGeom>
@@ -4492,7 +4492,7 @@
           </p:nvSpPr>
           <p:spPr>
             <a:xfrm>
-              <a:off x="8336331" y="4711133"/>
+              <a:off x="8084978" y="4710014"/>
               <a:ext cx="63202" cy="63202"/>
             </a:xfrm>
             <a:custGeom>
@@ -4535,7 +4535,7 @@
           </p:nvSpPr>
           <p:spPr>
             <a:xfrm>
-              <a:off x="8366337" y="2577867"/>
+              <a:off x="7688635" y="2576788"/>
               <a:ext cx="63202" cy="63202"/>
             </a:xfrm>
             <a:custGeom>
@@ -4578,7 +4578,7 @@
           </p:nvSpPr>
           <p:spPr>
             <a:xfrm>
-              <a:off x="7880801" y="2236062"/>
+              <a:off x="7522069" y="2234358"/>
               <a:ext cx="63202" cy="63202"/>
             </a:xfrm>
             <a:custGeom>
@@ -4621,7 +4621,7 @@
           </p:nvSpPr>
           <p:spPr>
             <a:xfrm>
-              <a:off x="7637585" y="2236346"/>
+              <a:off x="8234346" y="2236395"/>
               <a:ext cx="63202" cy="63202"/>
             </a:xfrm>
             <a:custGeom>
@@ -4664,7 +4664,7 @@
           </p:nvSpPr>
           <p:spPr>
             <a:xfrm>
-              <a:off x="7659258" y="2235910"/>
+              <a:off x="8348402" y="2235680"/>
               <a:ext cx="63202" cy="63202"/>
             </a:xfrm>
             <a:custGeom>
@@ -4707,7 +4707,7 @@
           </p:nvSpPr>
           <p:spPr>
             <a:xfrm>
-              <a:off x="7416436" y="2235654"/>
+              <a:off x="8123284" y="2235575"/>
               <a:ext cx="63202" cy="63202"/>
             </a:xfrm>
             <a:custGeom>
@@ -4750,7 +4750,7 @@
           </p:nvSpPr>
           <p:spPr>
             <a:xfrm>
-              <a:off x="8399851" y="2235872"/>
+              <a:off x="8361414" y="2234941"/>
               <a:ext cx="63202" cy="63202"/>
             </a:xfrm>
             <a:custGeom>
@@ -4793,7 +4793,7 @@
           </p:nvSpPr>
           <p:spPr>
             <a:xfrm>
-              <a:off x="8306306" y="4897638"/>
+              <a:off x="7451113" y="4896748"/>
               <a:ext cx="63202" cy="63202"/>
             </a:xfrm>
             <a:custGeom>
@@ -4836,7 +4836,7 @@
           </p:nvSpPr>
           <p:spPr>
             <a:xfrm>
-              <a:off x="7697384" y="4483787"/>
+              <a:off x="7608113" y="4482850"/>
               <a:ext cx="63202" cy="63202"/>
             </a:xfrm>
             <a:custGeom>
@@ -4879,7 +4879,7 @@
           </p:nvSpPr>
           <p:spPr>
             <a:xfrm>
-              <a:off x="8404854" y="2576835"/>
+              <a:off x="7886872" y="2577557"/>
               <a:ext cx="63202" cy="63202"/>
             </a:xfrm>
             <a:custGeom>
@@ -4922,7 +4922,7 @@
           </p:nvSpPr>
           <p:spPr>
             <a:xfrm>
-              <a:off x="7936942" y="3365852"/>
+              <a:off x="7498688" y="3365197"/>
               <a:ext cx="63202" cy="63202"/>
             </a:xfrm>
             <a:custGeom>
@@ -4965,7 +4965,7 @@
           </p:nvSpPr>
           <p:spPr>
             <a:xfrm>
-              <a:off x="8115304" y="3199193"/>
+              <a:off x="7396705" y="3199748"/>
               <a:ext cx="63202" cy="63202"/>
             </a:xfrm>
             <a:custGeom>
@@ -5008,7 +5008,7 @@
           </p:nvSpPr>
           <p:spPr>
             <a:xfrm>
-              <a:off x="7705255" y="4935316"/>
+              <a:off x="8013496" y="4933263"/>
               <a:ext cx="63202" cy="63202"/>
             </a:xfrm>
             <a:custGeom>
@@ -5051,7 +5051,7 @@
           </p:nvSpPr>
           <p:spPr>
             <a:xfrm>
-              <a:off x="7940805" y="4539433"/>
+              <a:off x="8028240" y="4538497"/>
               <a:ext cx="63202" cy="63202"/>
             </a:xfrm>
             <a:custGeom>
@@ -5094,7 +5094,7 @@
           </p:nvSpPr>
           <p:spPr>
             <a:xfrm>
-              <a:off x="8741272" y="5110039"/>
+              <a:off x="9689279" y="5108658"/>
               <a:ext cx="63202" cy="63202"/>
             </a:xfrm>
             <a:custGeom>
@@ -5137,7 +5137,7 @@
           </p:nvSpPr>
           <p:spPr>
             <a:xfrm>
-              <a:off x="8186823" y="2037531"/>
+              <a:off x="8030221" y="2036670"/>
               <a:ext cx="63202" cy="63202"/>
             </a:xfrm>
             <a:custGeom>
@@ -5180,7 +5180,7 @@
           </p:nvSpPr>
           <p:spPr>
             <a:xfrm>
-              <a:off x="7721102" y="3126800"/>
+              <a:off x="7816753" y="3124876"/>
               <a:ext cx="63202" cy="63202"/>
             </a:xfrm>
             <a:custGeom>
@@ -5223,7 +5223,7 @@
           </p:nvSpPr>
           <p:spPr>
             <a:xfrm>
-              <a:off x="8318869" y="3449108"/>
+              <a:off x="7792437" y="3448452"/>
               <a:ext cx="63202" cy="63202"/>
             </a:xfrm>
             <a:custGeom>
@@ -5266,7 +5266,7 @@
           </p:nvSpPr>
           <p:spPr>
             <a:xfrm>
-              <a:off x="8334806" y="4495804"/>
+              <a:off x="7844218" y="4494529"/>
               <a:ext cx="63202" cy="63202"/>
             </a:xfrm>
             <a:custGeom>
@@ -5309,7 +5309,7 @@
           </p:nvSpPr>
           <p:spPr>
             <a:xfrm>
-              <a:off x="8390431" y="2406526"/>
+              <a:off x="7580744" y="2405344"/>
               <a:ext cx="63202" cy="63202"/>
             </a:xfrm>
             <a:custGeom>
@@ -5352,7 +5352,7 @@
           </p:nvSpPr>
           <p:spPr>
             <a:xfrm>
-              <a:off x="7996638" y="2273662"/>
+              <a:off x="7701320" y="2271538"/>
               <a:ext cx="63202" cy="63202"/>
             </a:xfrm>
             <a:custGeom>
@@ -5395,7 +5395,7 @@
           </p:nvSpPr>
           <p:spPr>
             <a:xfrm>
-              <a:off x="8373786" y="3574461"/>
+              <a:off x="7441387" y="3573181"/>
               <a:ext cx="63202" cy="63202"/>
             </a:xfrm>
             <a:custGeom>
@@ -5438,7 +5438,7 @@
           </p:nvSpPr>
           <p:spPr>
             <a:xfrm>
-              <a:off x="7903893" y="4559653"/>
+              <a:off x="7552973" y="4558666"/>
               <a:ext cx="63202" cy="63202"/>
             </a:xfrm>
             <a:custGeom>
@@ -5481,7 +5481,7 @@
           </p:nvSpPr>
           <p:spPr>
             <a:xfrm>
-              <a:off x="7881614" y="2158120"/>
+              <a:off x="8093242" y="2158286"/>
               <a:ext cx="63202" cy="63202"/>
             </a:xfrm>
             <a:custGeom>
@@ -5524,7 +5524,7 @@
           </p:nvSpPr>
           <p:spPr>
             <a:xfrm>
-              <a:off x="7795309" y="2470245"/>
+              <a:off x="7457510" y="2468838"/>
               <a:ext cx="63202" cy="63202"/>
             </a:xfrm>
             <a:custGeom>
@@ -5567,7 +5567,7 @@
           </p:nvSpPr>
           <p:spPr>
             <a:xfrm>
-              <a:off x="7614793" y="2085270"/>
+              <a:off x="7812792" y="2083940"/>
               <a:ext cx="63202" cy="63202"/>
             </a:xfrm>
             <a:custGeom>
@@ -5610,7 +5610,7 @@
           </p:nvSpPr>
           <p:spPr>
             <a:xfrm>
-              <a:off x="7912699" y="2463298"/>
+              <a:off x="8066439" y="2460876"/>
               <a:ext cx="63202" cy="63202"/>
             </a:xfrm>
             <a:custGeom>
@@ -5653,7 +5653,7 @@
           </p:nvSpPr>
           <p:spPr>
             <a:xfrm>
-              <a:off x="7651501" y="2035026"/>
+              <a:off x="7638381" y="2033217"/>
               <a:ext cx="63202" cy="63202"/>
             </a:xfrm>
             <a:custGeom>
@@ -5696,7 +5696,7 @@
           </p:nvSpPr>
           <p:spPr>
             <a:xfrm>
-              <a:off x="8334240" y="2741209"/>
+              <a:off x="8169176" y="2739327"/>
               <a:ext cx="63202" cy="63202"/>
             </a:xfrm>
             <a:custGeom>
@@ -5739,7 +5739,7 @@
           </p:nvSpPr>
           <p:spPr>
             <a:xfrm>
-              <a:off x="7477431" y="1641734"/>
+              <a:off x="8362082" y="1641734"/>
               <a:ext cx="63202" cy="63202"/>
             </a:xfrm>
             <a:custGeom>
@@ -5782,7 +5782,7 @@
           </p:nvSpPr>
           <p:spPr>
             <a:xfrm>
-              <a:off x="7962098" y="3232806"/>
+              <a:off x="8398118" y="3234094"/>
               <a:ext cx="63202" cy="63202"/>
             </a:xfrm>
             <a:custGeom>
@@ -5825,7 +5825,7 @@
           </p:nvSpPr>
           <p:spPr>
             <a:xfrm>
-              <a:off x="8196987" y="2632675"/>
+              <a:off x="8059869" y="2631965"/>
               <a:ext cx="63202" cy="63202"/>
             </a:xfrm>
             <a:custGeom>
@@ -5868,7 +5868,7 @@
           </p:nvSpPr>
           <p:spPr>
             <a:xfrm>
-              <a:off x="7675200" y="2510841"/>
+              <a:off x="7759449" y="2509545"/>
               <a:ext cx="63202" cy="63202"/>
             </a:xfrm>
             <a:custGeom>
@@ -5911,7 +5911,7 @@
           </p:nvSpPr>
           <p:spPr>
             <a:xfrm>
-              <a:off x="8219679" y="2738238"/>
+              <a:off x="8052055" y="2735209"/>
               <a:ext cx="63202" cy="63202"/>
             </a:xfrm>
             <a:custGeom>
@@ -5954,7 +5954,7 @@
           </p:nvSpPr>
           <p:spPr>
             <a:xfrm>
-              <a:off x="7603397" y="3244624"/>
+              <a:off x="8029253" y="3242596"/>
               <a:ext cx="63202" cy="63202"/>
             </a:xfrm>
             <a:custGeom>
@@ -5997,7 +5997,7 @@
           </p:nvSpPr>
           <p:spPr>
             <a:xfrm>
-              <a:off x="8168809" y="2932055"/>
+              <a:off x="8298489" y="2932622"/>
               <a:ext cx="63202" cy="63202"/>
             </a:xfrm>
             <a:custGeom>
@@ -6040,7 +6040,7 @@
           </p:nvSpPr>
           <p:spPr>
             <a:xfrm>
-              <a:off x="8006196" y="3087614"/>
+              <a:off x="7536047" y="3086260"/>
               <a:ext cx="63202" cy="63202"/>
             </a:xfrm>
             <a:custGeom>
@@ -6083,7 +6083,7 @@
           </p:nvSpPr>
           <p:spPr>
             <a:xfrm>
-              <a:off x="7814865" y="3016591"/>
+              <a:off x="8103278" y="3017748"/>
               <a:ext cx="63202" cy="63202"/>
             </a:xfrm>
             <a:custGeom>
@@ -6126,7 +6126,7 @@
           </p:nvSpPr>
           <p:spPr>
             <a:xfrm>
-              <a:off x="7417623" y="3287513"/>
+              <a:off x="8181673" y="3288260"/>
               <a:ext cx="63202" cy="63202"/>
             </a:xfrm>
             <a:custGeom>
@@ -6169,7 +6169,7 @@
           </p:nvSpPr>
           <p:spPr>
             <a:xfrm>
-              <a:off x="7995867" y="3768090"/>
+              <a:off x="7545054" y="3766510"/>
               <a:ext cx="63202" cy="63202"/>
             </a:xfrm>
             <a:custGeom>
@@ -7001,7 +7001,7 @@
           </p:nvSpPr>
           <p:spPr>
             <a:xfrm>
-              <a:off x="1148183" y="6779994"/>
+              <a:off x="1148183" y="6779532"/>
               <a:ext cx="186466" cy="81691"/>
             </a:xfrm>
             <a:prstGeom prst="rect">
@@ -7047,7 +7047,7 @@
           </p:nvSpPr>
           <p:spPr>
             <a:xfrm>
-              <a:off x="1148183" y="5089763"/>
+              <a:off x="1148183" y="5089104"/>
               <a:ext cx="186466" cy="81691"/>
             </a:xfrm>
             <a:prstGeom prst="rect">
@@ -7093,7 +7093,7 @@
           </p:nvSpPr>
           <p:spPr>
             <a:xfrm>
-              <a:off x="1148183" y="3399531"/>
+              <a:off x="1148183" y="3398676"/>
               <a:ext cx="186466" cy="81691"/>
             </a:xfrm>
             <a:prstGeom prst="rect">
@@ -7139,7 +7139,7 @@
           </p:nvSpPr>
           <p:spPr>
             <a:xfrm>
-              <a:off x="1148183" y="1709300"/>
+              <a:off x="1148183" y="1708248"/>
               <a:ext cx="186466" cy="81691"/>
             </a:xfrm>
             <a:prstGeom prst="rect">
@@ -7185,7 +7185,7 @@
           </p:nvSpPr>
           <p:spPr>
             <a:xfrm>
-              <a:off x="1362485" y="6821685"/>
+              <a:off x="1362485" y="6821223"/>
               <a:ext cx="34794" cy="0"/>
             </a:xfrm>
             <a:custGeom>
@@ -7225,7 +7225,7 @@
           </p:nvSpPr>
           <p:spPr>
             <a:xfrm>
-              <a:off x="1362485" y="5131454"/>
+              <a:off x="1362485" y="5130796"/>
               <a:ext cx="34794" cy="0"/>
             </a:xfrm>
             <a:custGeom>
@@ -7265,7 +7265,7 @@
           </p:nvSpPr>
           <p:spPr>
             <a:xfrm>
-              <a:off x="1362485" y="3441223"/>
+              <a:off x="1362485" y="3440368"/>
               <a:ext cx="34794" cy="0"/>
             </a:xfrm>
             <a:custGeom>
@@ -7305,7 +7305,7 @@
           </p:nvSpPr>
           <p:spPr>
             <a:xfrm>
-              <a:off x="1362485" y="1750992"/>
+              <a:off x="1362485" y="1749940"/>
               <a:ext cx="34794" cy="0"/>
             </a:xfrm>
             <a:custGeom>

--- a/Images/Figures_PPT/Jitter_Plot_SIN1_Domain.pptx
+++ b/Images/Figures_PPT/Jitter_Plot_SIN1_Domain.pptx
@@ -2359,7 +2359,7 @@
           </p:nvSpPr>
           <p:spPr>
             <a:xfrm>
-              <a:off x="1397280" y="5976009"/>
+              <a:off x="1397280" y="5974967"/>
               <a:ext cx="2817450" cy="0"/>
             </a:xfrm>
             <a:custGeom>
@@ -2402,7 +2402,7 @@
           </p:nvSpPr>
           <p:spPr>
             <a:xfrm>
-              <a:off x="1397280" y="4285582"/>
+              <a:off x="1397280" y="4285092"/>
               <a:ext cx="2817450" cy="0"/>
             </a:xfrm>
             <a:custGeom>
@@ -2445,7 +2445,7 @@
           </p:nvSpPr>
           <p:spPr>
             <a:xfrm>
-              <a:off x="1397280" y="2595154"/>
+              <a:off x="1397280" y="2595218"/>
               <a:ext cx="2817450" cy="0"/>
             </a:xfrm>
             <a:custGeom>
@@ -2488,7 +2488,7 @@
           </p:nvSpPr>
           <p:spPr>
             <a:xfrm>
-              <a:off x="1397280" y="6821223"/>
+              <a:off x="1397280" y="6819904"/>
               <a:ext cx="2817450" cy="0"/>
             </a:xfrm>
             <a:custGeom>
@@ -2531,7 +2531,7 @@
           </p:nvSpPr>
           <p:spPr>
             <a:xfrm>
-              <a:off x="1397280" y="5130796"/>
+              <a:off x="1397280" y="5130030"/>
               <a:ext cx="2817450" cy="0"/>
             </a:xfrm>
             <a:custGeom>
@@ -2574,7 +2574,7 @@
           </p:nvSpPr>
           <p:spPr>
             <a:xfrm>
-              <a:off x="1397280" y="3440368"/>
+              <a:off x="1397280" y="3440155"/>
               <a:ext cx="2817450" cy="0"/>
             </a:xfrm>
             <a:custGeom>
@@ -2617,7 +2617,7 @@
           </p:nvSpPr>
           <p:spPr>
             <a:xfrm>
-              <a:off x="1397280" y="1749940"/>
+              <a:off x="1397280" y="1750281"/>
               <a:ext cx="2817450" cy="0"/>
             </a:xfrm>
             <a:custGeom>
@@ -2746,7 +2746,7 @@
           </p:nvSpPr>
           <p:spPr>
             <a:xfrm>
-              <a:off x="2456264" y="3298041"/>
+              <a:off x="2598819" y="3298239"/>
               <a:ext cx="63202" cy="63202"/>
             </a:xfrm>
             <a:custGeom>
@@ -2789,7 +2789,7 @@
           </p:nvSpPr>
           <p:spPr>
             <a:xfrm>
-              <a:off x="2549254" y="3298347"/>
+              <a:off x="2602495" y="3296792"/>
               <a:ext cx="63202" cy="63202"/>
             </a:xfrm>
             <a:custGeom>
@@ -2832,7 +2832,7 @@
           </p:nvSpPr>
           <p:spPr>
             <a:xfrm>
-              <a:off x="2485718" y="3887896"/>
+              <a:off x="2622543" y="3887307"/>
               <a:ext cx="63202" cy="63202"/>
             </a:xfrm>
             <a:custGeom>
@@ -2875,7 +2875,7 @@
           </p:nvSpPr>
           <p:spPr>
             <a:xfrm>
-              <a:off x="1682773" y="3314156"/>
+              <a:off x="2056355" y="3313996"/>
               <a:ext cx="63202" cy="63202"/>
             </a:xfrm>
             <a:custGeom>
@@ -2918,7 +2918,7 @@
           </p:nvSpPr>
           <p:spPr>
             <a:xfrm>
-              <a:off x="1735495" y="3749519"/>
+              <a:off x="2374825" y="3748677"/>
               <a:ext cx="63202" cy="63202"/>
             </a:xfrm>
             <a:custGeom>
@@ -2961,7 +2961,7 @@
           </p:nvSpPr>
           <p:spPr>
             <a:xfrm>
-              <a:off x="2258533" y="3698928"/>
+              <a:off x="2600319" y="3699717"/>
               <a:ext cx="63202" cy="63202"/>
             </a:xfrm>
             <a:custGeom>
@@ -3060,7 +3060,7 @@
           </p:nvSpPr>
           <p:spPr>
             <a:xfrm>
-              <a:off x="4284320" y="5976009"/>
+              <a:off x="4284320" y="5974967"/>
               <a:ext cx="2817450" cy="0"/>
             </a:xfrm>
             <a:custGeom>
@@ -3103,7 +3103,7 @@
           </p:nvSpPr>
           <p:spPr>
             <a:xfrm>
-              <a:off x="4284320" y="4285582"/>
+              <a:off x="4284320" y="4285092"/>
               <a:ext cx="2817450" cy="0"/>
             </a:xfrm>
             <a:custGeom>
@@ -3146,7 +3146,7 @@
           </p:nvSpPr>
           <p:spPr>
             <a:xfrm>
-              <a:off x="4284320" y="2595154"/>
+              <a:off x="4284320" y="2595218"/>
               <a:ext cx="2817450" cy="0"/>
             </a:xfrm>
             <a:custGeom>
@@ -3189,7 +3189,7 @@
           </p:nvSpPr>
           <p:spPr>
             <a:xfrm>
-              <a:off x="4284320" y="6821223"/>
+              <a:off x="4284320" y="6819904"/>
               <a:ext cx="2817450" cy="0"/>
             </a:xfrm>
             <a:custGeom>
@@ -3232,7 +3232,7 @@
           </p:nvSpPr>
           <p:spPr>
             <a:xfrm>
-              <a:off x="4284320" y="5130796"/>
+              <a:off x="4284320" y="5130030"/>
               <a:ext cx="2817450" cy="0"/>
             </a:xfrm>
             <a:custGeom>
@@ -3275,7 +3275,7 @@
           </p:nvSpPr>
           <p:spPr>
             <a:xfrm>
-              <a:off x="4284320" y="3440368"/>
+              <a:off x="4284320" y="3440155"/>
               <a:ext cx="2817450" cy="0"/>
             </a:xfrm>
             <a:custGeom>
@@ -3318,7 +3318,7 @@
           </p:nvSpPr>
           <p:spPr>
             <a:xfrm>
-              <a:off x="4284320" y="1749940"/>
+              <a:off x="4284320" y="1750281"/>
               <a:ext cx="2817450" cy="0"/>
             </a:xfrm>
             <a:custGeom>
@@ -3447,7 +3447,7 @@
           </p:nvSpPr>
           <p:spPr>
             <a:xfrm>
-              <a:off x="6470845" y="6009268"/>
+              <a:off x="6442474" y="6006798"/>
               <a:ext cx="63202" cy="63202"/>
             </a:xfrm>
             <a:custGeom>
@@ -3490,7 +3490,7 @@
           </p:nvSpPr>
           <p:spPr>
             <a:xfrm>
-              <a:off x="6012520" y="5677345"/>
+              <a:off x="6626129" y="5675404"/>
               <a:ext cx="63202" cy="63202"/>
             </a:xfrm>
             <a:custGeom>
@@ -3589,7 +3589,7 @@
           </p:nvSpPr>
           <p:spPr>
             <a:xfrm>
-              <a:off x="7171360" y="5976009"/>
+              <a:off x="7171360" y="5974967"/>
               <a:ext cx="2817450" cy="0"/>
             </a:xfrm>
             <a:custGeom>
@@ -3632,7 +3632,7 @@
           </p:nvSpPr>
           <p:spPr>
             <a:xfrm>
-              <a:off x="7171360" y="4285582"/>
+              <a:off x="7171360" y="4285092"/>
               <a:ext cx="2817450" cy="0"/>
             </a:xfrm>
             <a:custGeom>
@@ -3675,7 +3675,7 @@
           </p:nvSpPr>
           <p:spPr>
             <a:xfrm>
-              <a:off x="7171360" y="2595154"/>
+              <a:off x="7171360" y="2595218"/>
               <a:ext cx="2817450" cy="0"/>
             </a:xfrm>
             <a:custGeom>
@@ -3718,7 +3718,7 @@
           </p:nvSpPr>
           <p:spPr>
             <a:xfrm>
-              <a:off x="7171360" y="6821223"/>
+              <a:off x="7171360" y="6819904"/>
               <a:ext cx="2817450" cy="0"/>
             </a:xfrm>
             <a:custGeom>
@@ -3761,7 +3761,7 @@
           </p:nvSpPr>
           <p:spPr>
             <a:xfrm>
-              <a:off x="7171360" y="5130796"/>
+              <a:off x="7171360" y="5130030"/>
               <a:ext cx="2817450" cy="0"/>
             </a:xfrm>
             <a:custGeom>
@@ -3804,7 +3804,7 @@
           </p:nvSpPr>
           <p:spPr>
             <a:xfrm>
-              <a:off x="7171360" y="3440368"/>
+              <a:off x="7171360" y="3440155"/>
               <a:ext cx="2817450" cy="0"/>
             </a:xfrm>
             <a:custGeom>
@@ -3847,7 +3847,7 @@
           </p:nvSpPr>
           <p:spPr>
             <a:xfrm>
-              <a:off x="7171360" y="1749940"/>
+              <a:off x="7171360" y="1750281"/>
               <a:ext cx="2817450" cy="0"/>
             </a:xfrm>
             <a:custGeom>
@@ -3976,7 +3976,7 @@
           </p:nvSpPr>
           <p:spPr>
             <a:xfrm>
-              <a:off x="8142165" y="2992042"/>
+              <a:off x="7604390" y="2992181"/>
               <a:ext cx="63202" cy="63202"/>
             </a:xfrm>
             <a:custGeom>
@@ -4019,7 +4019,7 @@
           </p:nvSpPr>
           <p:spPr>
             <a:xfrm>
-              <a:off x="7949337" y="3268834"/>
+              <a:off x="8147270" y="3269259"/>
               <a:ext cx="63202" cy="63202"/>
             </a:xfrm>
             <a:custGeom>
@@ -4062,7 +4062,7 @@
           </p:nvSpPr>
           <p:spPr>
             <a:xfrm>
-              <a:off x="9266039" y="6634049"/>
+              <a:off x="9597066" y="6634049"/>
               <a:ext cx="63202" cy="63202"/>
             </a:xfrm>
             <a:custGeom>
@@ -4105,7 +4105,7 @@
           </p:nvSpPr>
           <p:spPr>
             <a:xfrm>
-              <a:off x="9494175" y="6467404"/>
+              <a:off x="9229817" y="6467920"/>
               <a:ext cx="63202" cy="63202"/>
             </a:xfrm>
             <a:custGeom>
@@ -4148,7 +4148,7 @@
           </p:nvSpPr>
           <p:spPr>
             <a:xfrm>
-              <a:off x="8909510" y="5156323"/>
+              <a:off x="9370496" y="5154883"/>
               <a:ext cx="63202" cy="63202"/>
             </a:xfrm>
             <a:custGeom>
@@ -4191,7 +4191,7 @@
           </p:nvSpPr>
           <p:spPr>
             <a:xfrm>
-              <a:off x="8032846" y="3440349"/>
+              <a:off x="7939135" y="3438272"/>
               <a:ext cx="63202" cy="63202"/>
             </a:xfrm>
             <a:custGeom>
@@ -4234,7 +4234,7 @@
           </p:nvSpPr>
           <p:spPr>
             <a:xfrm>
-              <a:off x="9237540" y="6136368"/>
+              <a:off x="9106108" y="6136222"/>
               <a:ext cx="63202" cy="63202"/>
             </a:xfrm>
             <a:custGeom>
@@ -4277,7 +4277,7 @@
           </p:nvSpPr>
           <p:spPr>
             <a:xfrm>
-              <a:off x="9384588" y="5775823"/>
+              <a:off x="9364477" y="5774020"/>
               <a:ext cx="63202" cy="63202"/>
             </a:xfrm>
             <a:custGeom>
@@ -4320,7 +4320,7 @@
           </p:nvSpPr>
           <p:spPr>
             <a:xfrm>
-              <a:off x="7771805" y="4652600"/>
+              <a:off x="7899374" y="4652714"/>
               <a:ext cx="63202" cy="63202"/>
             </a:xfrm>
             <a:custGeom>
@@ -4363,7 +4363,7 @@
           </p:nvSpPr>
           <p:spPr>
             <a:xfrm>
-              <a:off x="8070846" y="2272713"/>
+              <a:off x="7501255" y="2273383"/>
               <a:ext cx="63202" cy="63202"/>
             </a:xfrm>
             <a:custGeom>
@@ -4406,7 +4406,7 @@
           </p:nvSpPr>
           <p:spPr>
             <a:xfrm>
-              <a:off x="8057716" y="2872278"/>
+              <a:off x="7612426" y="2871454"/>
               <a:ext cx="63202" cy="63202"/>
             </a:xfrm>
             <a:custGeom>
@@ -4449,7 +4449,7 @@
           </p:nvSpPr>
           <p:spPr>
             <a:xfrm>
-              <a:off x="8011161" y="2461149"/>
+              <a:off x="7700989" y="2462826"/>
               <a:ext cx="63202" cy="63202"/>
             </a:xfrm>
             <a:custGeom>
@@ -4492,7 +4492,7 @@
           </p:nvSpPr>
           <p:spPr>
             <a:xfrm>
-              <a:off x="8084978" y="4710014"/>
+              <a:off x="7884953" y="4710985"/>
               <a:ext cx="63202" cy="63202"/>
             </a:xfrm>
             <a:custGeom>
@@ -4535,7 +4535,7 @@
           </p:nvSpPr>
           <p:spPr>
             <a:xfrm>
-              <a:off x="7688635" y="2576788"/>
+              <a:off x="8253658" y="2575933"/>
               <a:ext cx="63202" cy="63202"/>
             </a:xfrm>
             <a:custGeom>
@@ -4578,7 +4578,7 @@
           </p:nvSpPr>
           <p:spPr>
             <a:xfrm>
-              <a:off x="7522069" y="2234358"/>
+              <a:off x="7458735" y="2235195"/>
               <a:ext cx="63202" cy="63202"/>
             </a:xfrm>
             <a:custGeom>
@@ -4621,7 +4621,7 @@
           </p:nvSpPr>
           <p:spPr>
             <a:xfrm>
-              <a:off x="8234346" y="2236395"/>
+              <a:off x="7862082" y="2235169"/>
               <a:ext cx="63202" cy="63202"/>
             </a:xfrm>
             <a:custGeom>
@@ -4664,7 +4664,7 @@
           </p:nvSpPr>
           <p:spPr>
             <a:xfrm>
-              <a:off x="8348402" y="2235680"/>
+              <a:off x="7525202" y="2234810"/>
               <a:ext cx="63202" cy="63202"/>
             </a:xfrm>
             <a:custGeom>
@@ -4707,7 +4707,7 @@
           </p:nvSpPr>
           <p:spPr>
             <a:xfrm>
-              <a:off x="8123284" y="2235575"/>
+              <a:off x="7512046" y="2235989"/>
               <a:ext cx="63202" cy="63202"/>
             </a:xfrm>
             <a:custGeom>
@@ -4750,7 +4750,7 @@
           </p:nvSpPr>
           <p:spPr>
             <a:xfrm>
-              <a:off x="8361414" y="2234941"/>
+              <a:off x="7560183" y="2236235"/>
               <a:ext cx="63202" cy="63202"/>
             </a:xfrm>
             <a:custGeom>
@@ -4793,7 +4793,7 @@
           </p:nvSpPr>
           <p:spPr>
             <a:xfrm>
-              <a:off x="7451113" y="4896748"/>
+              <a:off x="8326905" y="4896201"/>
               <a:ext cx="63202" cy="63202"/>
             </a:xfrm>
             <a:custGeom>
@@ -4836,7 +4836,7 @@
           </p:nvSpPr>
           <p:spPr>
             <a:xfrm>
-              <a:off x="7608113" y="4482850"/>
+              <a:off x="8300972" y="4482033"/>
               <a:ext cx="63202" cy="63202"/>
             </a:xfrm>
             <a:custGeom>
@@ -4879,7 +4879,7 @@
           </p:nvSpPr>
           <p:spPr>
             <a:xfrm>
-              <a:off x="7886872" y="2577557"/>
+              <a:off x="8308582" y="2576033"/>
               <a:ext cx="63202" cy="63202"/>
             </a:xfrm>
             <a:custGeom>
@@ -4922,7 +4922,7 @@
           </p:nvSpPr>
           <p:spPr>
             <a:xfrm>
-              <a:off x="7498688" y="3365197"/>
+              <a:off x="8192497" y="3365106"/>
               <a:ext cx="63202" cy="63202"/>
             </a:xfrm>
             <a:custGeom>
@@ -4965,7 +4965,7 @@
           </p:nvSpPr>
           <p:spPr>
             <a:xfrm>
-              <a:off x="7396705" y="3199748"/>
+              <a:off x="7453370" y="3198998"/>
               <a:ext cx="63202" cy="63202"/>
             </a:xfrm>
             <a:custGeom>
@@ -5008,7 +5008,7 @@
           </p:nvSpPr>
           <p:spPr>
             <a:xfrm>
-              <a:off x="8013496" y="4933263"/>
+              <a:off x="8372321" y="4932118"/>
               <a:ext cx="63202" cy="63202"/>
             </a:xfrm>
             <a:custGeom>
@@ -5051,7 +5051,7 @@
           </p:nvSpPr>
           <p:spPr>
             <a:xfrm>
-              <a:off x="8028240" y="4538497"/>
+              <a:off x="7999548" y="4537680"/>
               <a:ext cx="63202" cy="63202"/>
             </a:xfrm>
             <a:custGeom>
@@ -5094,7 +5094,7 @@
           </p:nvSpPr>
           <p:spPr>
             <a:xfrm>
-              <a:off x="9689279" y="5108658"/>
+              <a:off x="9249799" y="5107690"/>
               <a:ext cx="63202" cy="63202"/>
             </a:xfrm>
             <a:custGeom>
@@ -5137,7 +5137,7 @@
           </p:nvSpPr>
           <p:spPr>
             <a:xfrm>
-              <a:off x="8030221" y="2036670"/>
+              <a:off x="8404292" y="2037064"/>
               <a:ext cx="63202" cy="63202"/>
             </a:xfrm>
             <a:custGeom>
@@ -5180,7 +5180,7 @@
           </p:nvSpPr>
           <p:spPr>
             <a:xfrm>
-              <a:off x="7816753" y="3124876"/>
+              <a:off x="7886872" y="3123744"/>
               <a:ext cx="63202" cy="63202"/>
             </a:xfrm>
             <a:custGeom>
@@ -5223,7 +5223,7 @@
           </p:nvSpPr>
           <p:spPr>
             <a:xfrm>
-              <a:off x="7792437" y="3448452"/>
+              <a:off x="7768560" y="3450220"/>
               <a:ext cx="63202" cy="63202"/>
             </a:xfrm>
             <a:custGeom>
@@ -5266,7 +5266,7 @@
           </p:nvSpPr>
           <p:spPr>
             <a:xfrm>
-              <a:off x="7844218" y="4494529"/>
+              <a:off x="8304920" y="4493933"/>
               <a:ext cx="63202" cy="63202"/>
             </a:xfrm>
             <a:custGeom>
@@ -5309,7 +5309,7 @@
           </p:nvSpPr>
           <p:spPr>
             <a:xfrm>
-              <a:off x="7580744" y="2405344"/>
+              <a:off x="8261069" y="2405083"/>
               <a:ext cx="63202" cy="63202"/>
             </a:xfrm>
             <a:custGeom>
@@ -5352,7 +5352,7 @@
           </p:nvSpPr>
           <p:spPr>
             <a:xfrm>
-              <a:off x="7701320" y="2271538"/>
+              <a:off x="7833288" y="2272514"/>
               <a:ext cx="63202" cy="63202"/>
             </a:xfrm>
             <a:custGeom>
@@ -5395,7 +5395,7 @@
           </p:nvSpPr>
           <p:spPr>
             <a:xfrm>
-              <a:off x="7441387" y="3573181"/>
+              <a:off x="7452205" y="3574763"/>
               <a:ext cx="63202" cy="63202"/>
             </a:xfrm>
             <a:custGeom>
@@ -5438,7 +5438,7 @@
           </p:nvSpPr>
           <p:spPr>
             <a:xfrm>
-              <a:off x="7552973" y="4558666"/>
+              <a:off x="8116019" y="4558693"/>
               <a:ext cx="63202" cy="63202"/>
             </a:xfrm>
             <a:custGeom>
@@ -5481,7 +5481,7 @@
           </p:nvSpPr>
           <p:spPr>
             <a:xfrm>
-              <a:off x="8093242" y="2158286"/>
+              <a:off x="8378178" y="2157046"/>
               <a:ext cx="63202" cy="63202"/>
             </a:xfrm>
             <a:custGeom>
@@ -5524,7 +5524,7 @@
           </p:nvSpPr>
           <p:spPr>
             <a:xfrm>
-              <a:off x="7457510" y="2468838"/>
+              <a:off x="8102620" y="2468138"/>
               <a:ext cx="63202" cy="63202"/>
             </a:xfrm>
             <a:custGeom>
@@ -5567,7 +5567,7 @@
           </p:nvSpPr>
           <p:spPr>
             <a:xfrm>
-              <a:off x="7812792" y="2083940"/>
+              <a:off x="8175328" y="2082589"/>
               <a:ext cx="63202" cy="63202"/>
             </a:xfrm>
             <a:custGeom>
@@ -5610,7 +5610,7 @@
           </p:nvSpPr>
           <p:spPr>
             <a:xfrm>
-              <a:off x="8066439" y="2460876"/>
+              <a:off x="7611110" y="2463324"/>
               <a:ext cx="63202" cy="63202"/>
             </a:xfrm>
             <a:custGeom>
@@ -5653,7 +5653,7 @@
           </p:nvSpPr>
           <p:spPr>
             <a:xfrm>
-              <a:off x="7638381" y="2033217"/>
+              <a:off x="7437312" y="2033302"/>
               <a:ext cx="63202" cy="63202"/>
             </a:xfrm>
             <a:custGeom>
@@ -5696,7 +5696,7 @@
           </p:nvSpPr>
           <p:spPr>
             <a:xfrm>
-              <a:off x="8169176" y="2739327"/>
+              <a:off x="7830876" y="2738172"/>
               <a:ext cx="63202" cy="63202"/>
             </a:xfrm>
             <a:custGeom>
@@ -5739,7 +5739,7 @@
           </p:nvSpPr>
           <p:spPr>
             <a:xfrm>
-              <a:off x="8362082" y="1641734"/>
+              <a:off x="7533868" y="1641734"/>
               <a:ext cx="63202" cy="63202"/>
             </a:xfrm>
             <a:custGeom>
@@ -5782,7 +5782,7 @@
           </p:nvSpPr>
           <p:spPr>
             <a:xfrm>
-              <a:off x="8398118" y="3234094"/>
+              <a:off x="8228795" y="3232434"/>
               <a:ext cx="63202" cy="63202"/>
             </a:xfrm>
             <a:custGeom>
@@ -5825,7 +5825,7 @@
           </p:nvSpPr>
           <p:spPr>
             <a:xfrm>
-              <a:off x="8059869" y="2631965"/>
+              <a:off x="7731172" y="2632263"/>
               <a:ext cx="63202" cy="63202"/>
             </a:xfrm>
             <a:custGeom>
@@ -5868,7 +5868,7 @@
           </p:nvSpPr>
           <p:spPr>
             <a:xfrm>
-              <a:off x="7759449" y="2509545"/>
+              <a:off x="7501407" y="2508316"/>
               <a:ext cx="63202" cy="63202"/>
             </a:xfrm>
             <a:custGeom>
@@ -5911,7 +5911,7 @@
           </p:nvSpPr>
           <p:spPr>
             <a:xfrm>
-              <a:off x="8052055" y="2735209"/>
+              <a:off x="7910442" y="2737249"/>
               <a:ext cx="63202" cy="63202"/>
             </a:xfrm>
             <a:custGeom>
@@ -5954,7 +5954,7 @@
           </p:nvSpPr>
           <p:spPr>
             <a:xfrm>
-              <a:off x="8029253" y="3242596"/>
+              <a:off x="7423995" y="3243617"/>
               <a:ext cx="63202" cy="63202"/>
             </a:xfrm>
             <a:custGeom>
@@ -5997,7 +5997,7 @@
           </p:nvSpPr>
           <p:spPr>
             <a:xfrm>
-              <a:off x="8298489" y="2932622"/>
+              <a:off x="8268006" y="2930951"/>
               <a:ext cx="63202" cy="63202"/>
             </a:xfrm>
             <a:custGeom>
@@ -6040,7 +6040,7 @@
           </p:nvSpPr>
           <p:spPr>
             <a:xfrm>
-              <a:off x="7536047" y="3086260"/>
+              <a:off x="8149457" y="3088086"/>
               <a:ext cx="63202" cy="63202"/>
             </a:xfrm>
             <a:custGeom>
@@ -6083,7 +6083,7 @@
           </p:nvSpPr>
           <p:spPr>
             <a:xfrm>
-              <a:off x="8103278" y="3017748"/>
+              <a:off x="8420338" y="3015339"/>
               <a:ext cx="63202" cy="63202"/>
             </a:xfrm>
             <a:custGeom>
@@ -6126,7 +6126,7 @@
           </p:nvSpPr>
           <p:spPr>
             <a:xfrm>
-              <a:off x="8181673" y="3288260"/>
+              <a:off x="7774534" y="3286576"/>
               <a:ext cx="63202" cy="63202"/>
             </a:xfrm>
             <a:custGeom>
@@ -6169,7 +6169,7 @@
           </p:nvSpPr>
           <p:spPr>
             <a:xfrm>
-              <a:off x="7545054" y="3766510"/>
+              <a:off x="8311142" y="3765574"/>
               <a:ext cx="63202" cy="63202"/>
             </a:xfrm>
             <a:custGeom>
@@ -7001,7 +7001,7 @@
           </p:nvSpPr>
           <p:spPr>
             <a:xfrm>
-              <a:off x="1148183" y="6779532"/>
+              <a:off x="1148183" y="6778213"/>
               <a:ext cx="186466" cy="81691"/>
             </a:xfrm>
             <a:prstGeom prst="rect">
@@ -7047,7 +7047,7 @@
           </p:nvSpPr>
           <p:spPr>
             <a:xfrm>
-              <a:off x="1148183" y="5089104"/>
+              <a:off x="1148183" y="5088338"/>
               <a:ext cx="186466" cy="81691"/>
             </a:xfrm>
             <a:prstGeom prst="rect">
@@ -7093,7 +7093,7 @@
           </p:nvSpPr>
           <p:spPr>
             <a:xfrm>
-              <a:off x="1148183" y="3398676"/>
+              <a:off x="1148183" y="3398463"/>
               <a:ext cx="186466" cy="81691"/>
             </a:xfrm>
             <a:prstGeom prst="rect">
@@ -7139,7 +7139,7 @@
           </p:nvSpPr>
           <p:spPr>
             <a:xfrm>
-              <a:off x="1148183" y="1708248"/>
+              <a:off x="1148183" y="1708589"/>
               <a:ext cx="186466" cy="81691"/>
             </a:xfrm>
             <a:prstGeom prst="rect">
@@ -7185,7 +7185,7 @@
           </p:nvSpPr>
           <p:spPr>
             <a:xfrm>
-              <a:off x="1362485" y="6821223"/>
+              <a:off x="1362485" y="6819904"/>
               <a:ext cx="34794" cy="0"/>
             </a:xfrm>
             <a:custGeom>
@@ -7225,7 +7225,7 @@
           </p:nvSpPr>
           <p:spPr>
             <a:xfrm>
-              <a:off x="1362485" y="5130796"/>
+              <a:off x="1362485" y="5130030"/>
               <a:ext cx="34794" cy="0"/>
             </a:xfrm>
             <a:custGeom>
@@ -7265,7 +7265,7 @@
           </p:nvSpPr>
           <p:spPr>
             <a:xfrm>
-              <a:off x="1362485" y="3440368"/>
+              <a:off x="1362485" y="3440155"/>
               <a:ext cx="34794" cy="0"/>
             </a:xfrm>
             <a:custGeom>
@@ -7305,7 +7305,7 @@
           </p:nvSpPr>
           <p:spPr>
             <a:xfrm>
-              <a:off x="1362485" y="1749940"/>
+              <a:off x="1362485" y="1750281"/>
               <a:ext cx="34794" cy="0"/>
             </a:xfrm>
             <a:custGeom>

--- a/Images/Figures_PPT/Jitter_Plot_SIN1_Domain.pptx
+++ b/Images/Figures_PPT/Jitter_Plot_SIN1_Domain.pptx
@@ -2359,7 +2359,7 @@
           </p:nvSpPr>
           <p:spPr>
             <a:xfrm>
-              <a:off x="1397280" y="5974967"/>
+              <a:off x="1397280" y="5976630"/>
               <a:ext cx="2817450" cy="0"/>
             </a:xfrm>
             <a:custGeom>
@@ -2402,7 +2402,7 @@
           </p:nvSpPr>
           <p:spPr>
             <a:xfrm>
-              <a:off x="1397280" y="4285092"/>
+              <a:off x="1397280" y="4285990"/>
               <a:ext cx="2817450" cy="0"/>
             </a:xfrm>
             <a:custGeom>
@@ -2445,7 +2445,7 @@
           </p:nvSpPr>
           <p:spPr>
             <a:xfrm>
-              <a:off x="1397280" y="2595218"/>
+              <a:off x="1397280" y="2595350"/>
               <a:ext cx="2817450" cy="0"/>
             </a:xfrm>
             <a:custGeom>
@@ -2488,7 +2488,7 @@
           </p:nvSpPr>
           <p:spPr>
             <a:xfrm>
-              <a:off x="1397280" y="6819904"/>
+              <a:off x="1397280" y="6821950"/>
               <a:ext cx="2817450" cy="0"/>
             </a:xfrm>
             <a:custGeom>
@@ -2531,7 +2531,7 @@
           </p:nvSpPr>
           <p:spPr>
             <a:xfrm>
-              <a:off x="1397280" y="5130030"/>
+              <a:off x="1397280" y="5131310"/>
               <a:ext cx="2817450" cy="0"/>
             </a:xfrm>
             <a:custGeom>
@@ -2574,7 +2574,7 @@
           </p:nvSpPr>
           <p:spPr>
             <a:xfrm>
-              <a:off x="1397280" y="3440155"/>
+              <a:off x="1397280" y="3440670"/>
               <a:ext cx="2817450" cy="0"/>
             </a:xfrm>
             <a:custGeom>
@@ -2617,7 +2617,7 @@
           </p:nvSpPr>
           <p:spPr>
             <a:xfrm>
-              <a:off x="1397280" y="1750281"/>
+              <a:off x="1397280" y="1750030"/>
               <a:ext cx="2817450" cy="0"/>
             </a:xfrm>
             <a:custGeom>
@@ -2746,7 +2746,7 @@
           </p:nvSpPr>
           <p:spPr>
             <a:xfrm>
-              <a:off x="2598819" y="3298239"/>
+              <a:off x="2038762" y="3296147"/>
               <a:ext cx="63202" cy="63202"/>
             </a:xfrm>
             <a:custGeom>
@@ -2789,7 +2789,7 @@
           </p:nvSpPr>
           <p:spPr>
             <a:xfrm>
-              <a:off x="2602495" y="3296792"/>
+              <a:off x="2641582" y="3296802"/>
               <a:ext cx="63202" cy="63202"/>
             </a:xfrm>
             <a:custGeom>
@@ -2832,7 +2832,7 @@
           </p:nvSpPr>
           <p:spPr>
             <a:xfrm>
-              <a:off x="2622543" y="3887307"/>
+              <a:off x="2154452" y="3890475"/>
               <a:ext cx="63202" cy="63202"/>
             </a:xfrm>
             <a:custGeom>
@@ -2875,7 +2875,7 @@
           </p:nvSpPr>
           <p:spPr>
             <a:xfrm>
-              <a:off x="2056355" y="3313996"/>
+              <a:off x="2074673" y="3313579"/>
               <a:ext cx="63202" cy="63202"/>
             </a:xfrm>
             <a:custGeom>
@@ -2918,7 +2918,7 @@
           </p:nvSpPr>
           <p:spPr>
             <a:xfrm>
-              <a:off x="2374825" y="3748677"/>
+              <a:off x="1868060" y="3750048"/>
               <a:ext cx="63202" cy="63202"/>
             </a:xfrm>
             <a:custGeom>
@@ -2961,7 +2961,7 @@
           </p:nvSpPr>
           <p:spPr>
             <a:xfrm>
-              <a:off x="2600319" y="3699717"/>
+              <a:off x="2477695" y="3699287"/>
               <a:ext cx="63202" cy="63202"/>
             </a:xfrm>
             <a:custGeom>
@@ -3060,7 +3060,7 @@
           </p:nvSpPr>
           <p:spPr>
             <a:xfrm>
-              <a:off x="4284320" y="5974967"/>
+              <a:off x="4284320" y="5976630"/>
               <a:ext cx="2817450" cy="0"/>
             </a:xfrm>
             <a:custGeom>
@@ -3103,7 +3103,7 @@
           </p:nvSpPr>
           <p:spPr>
             <a:xfrm>
-              <a:off x="4284320" y="4285092"/>
+              <a:off x="4284320" y="4285990"/>
               <a:ext cx="2817450" cy="0"/>
             </a:xfrm>
             <a:custGeom>
@@ -3146,7 +3146,7 @@
           </p:nvSpPr>
           <p:spPr>
             <a:xfrm>
-              <a:off x="4284320" y="2595218"/>
+              <a:off x="4284320" y="2595350"/>
               <a:ext cx="2817450" cy="0"/>
             </a:xfrm>
             <a:custGeom>
@@ -3189,7 +3189,7 @@
           </p:nvSpPr>
           <p:spPr>
             <a:xfrm>
-              <a:off x="4284320" y="6819904"/>
+              <a:off x="4284320" y="6821950"/>
               <a:ext cx="2817450" cy="0"/>
             </a:xfrm>
             <a:custGeom>
@@ -3232,7 +3232,7 @@
           </p:nvSpPr>
           <p:spPr>
             <a:xfrm>
-              <a:off x="4284320" y="5130030"/>
+              <a:off x="4284320" y="5131310"/>
               <a:ext cx="2817450" cy="0"/>
             </a:xfrm>
             <a:custGeom>
@@ -3275,7 +3275,7 @@
           </p:nvSpPr>
           <p:spPr>
             <a:xfrm>
-              <a:off x="4284320" y="3440155"/>
+              <a:off x="4284320" y="3440670"/>
               <a:ext cx="2817450" cy="0"/>
             </a:xfrm>
             <a:custGeom>
@@ -3318,7 +3318,7 @@
           </p:nvSpPr>
           <p:spPr>
             <a:xfrm>
-              <a:off x="4284320" y="1750281"/>
+              <a:off x="4284320" y="1750030"/>
               <a:ext cx="2817450" cy="0"/>
             </a:xfrm>
             <a:custGeom>
@@ -3447,7 +3447,7 @@
           </p:nvSpPr>
           <p:spPr>
             <a:xfrm>
-              <a:off x="6442474" y="6006798"/>
+              <a:off x="6587572" y="6009547"/>
               <a:ext cx="63202" cy="63202"/>
             </a:xfrm>
             <a:custGeom>
@@ -3490,7 +3490,7 @@
           </p:nvSpPr>
           <p:spPr>
             <a:xfrm>
-              <a:off x="6626129" y="5675404"/>
+              <a:off x="6313047" y="5676879"/>
               <a:ext cx="63202" cy="63202"/>
             </a:xfrm>
             <a:custGeom>
@@ -3589,7 +3589,7 @@
           </p:nvSpPr>
           <p:spPr>
             <a:xfrm>
-              <a:off x="7171360" y="5974967"/>
+              <a:off x="7171360" y="5976630"/>
               <a:ext cx="2817450" cy="0"/>
             </a:xfrm>
             <a:custGeom>
@@ -3632,7 +3632,7 @@
           </p:nvSpPr>
           <p:spPr>
             <a:xfrm>
-              <a:off x="7171360" y="4285092"/>
+              <a:off x="7171360" y="4285990"/>
               <a:ext cx="2817450" cy="0"/>
             </a:xfrm>
             <a:custGeom>
@@ -3675,7 +3675,7 @@
           </p:nvSpPr>
           <p:spPr>
             <a:xfrm>
-              <a:off x="7171360" y="2595218"/>
+              <a:off x="7171360" y="2595350"/>
               <a:ext cx="2817450" cy="0"/>
             </a:xfrm>
             <a:custGeom>
@@ -3718,7 +3718,7 @@
           </p:nvSpPr>
           <p:spPr>
             <a:xfrm>
-              <a:off x="7171360" y="6819904"/>
+              <a:off x="7171360" y="6821950"/>
               <a:ext cx="2817450" cy="0"/>
             </a:xfrm>
             <a:custGeom>
@@ -3761,7 +3761,7 @@
           </p:nvSpPr>
           <p:spPr>
             <a:xfrm>
-              <a:off x="7171360" y="5130030"/>
+              <a:off x="7171360" y="5131310"/>
               <a:ext cx="2817450" cy="0"/>
             </a:xfrm>
             <a:custGeom>
@@ -3804,7 +3804,7 @@
           </p:nvSpPr>
           <p:spPr>
             <a:xfrm>
-              <a:off x="7171360" y="3440155"/>
+              <a:off x="7171360" y="3440670"/>
               <a:ext cx="2817450" cy="0"/>
             </a:xfrm>
             <a:custGeom>
@@ -3847,7 +3847,7 @@
           </p:nvSpPr>
           <p:spPr>
             <a:xfrm>
-              <a:off x="7171360" y="1750281"/>
+              <a:off x="7171360" y="1750030"/>
               <a:ext cx="2817450" cy="0"/>
             </a:xfrm>
             <a:custGeom>
@@ -3976,7 +3976,7 @@
           </p:nvSpPr>
           <p:spPr>
             <a:xfrm>
-              <a:off x="7604390" y="2992181"/>
+              <a:off x="7624379" y="2994463"/>
               <a:ext cx="63202" cy="63202"/>
             </a:xfrm>
             <a:custGeom>
@@ -4019,7 +4019,7 @@
           </p:nvSpPr>
           <p:spPr>
             <a:xfrm>
-              <a:off x="8147270" y="3269259"/>
+              <a:off x="7596327" y="3269450"/>
               <a:ext cx="63202" cy="63202"/>
             </a:xfrm>
             <a:custGeom>
@@ -4062,7 +4062,7 @@
           </p:nvSpPr>
           <p:spPr>
             <a:xfrm>
-              <a:off x="9597066" y="6634049"/>
+              <a:off x="9106921" y="6634049"/>
               <a:ext cx="63202" cy="63202"/>
             </a:xfrm>
             <a:custGeom>
@@ -4105,7 +4105,7 @@
           </p:nvSpPr>
           <p:spPr>
             <a:xfrm>
-              <a:off x="9229817" y="6467920"/>
+              <a:off x="9210245" y="6468098"/>
               <a:ext cx="63202" cy="63202"/>
             </a:xfrm>
             <a:custGeom>
@@ -4148,7 +4148,7 @@
           </p:nvSpPr>
           <p:spPr>
             <a:xfrm>
-              <a:off x="9370496" y="5154883"/>
+              <a:off x="9635096" y="5156098"/>
               <a:ext cx="63202" cy="63202"/>
             </a:xfrm>
             <a:custGeom>
@@ -4191,7 +4191,7 @@
           </p:nvSpPr>
           <p:spPr>
             <a:xfrm>
-              <a:off x="7939135" y="3438272"/>
+              <a:off x="8271712" y="3439150"/>
               <a:ext cx="63202" cy="63202"/>
             </a:xfrm>
             <a:custGeom>
@@ -4234,7 +4234,7 @@
           </p:nvSpPr>
           <p:spPr>
             <a:xfrm>
-              <a:off x="9106108" y="6136222"/>
+              <a:off x="9522994" y="6137881"/>
               <a:ext cx="63202" cy="63202"/>
             </a:xfrm>
             <a:custGeom>
@@ -4277,7 +4277,7 @@
           </p:nvSpPr>
           <p:spPr>
             <a:xfrm>
-              <a:off x="9364477" y="5774020"/>
+              <a:off x="9650627" y="5775078"/>
               <a:ext cx="63202" cy="63202"/>
             </a:xfrm>
             <a:custGeom>
@@ -4320,7 +4320,7 @@
           </p:nvSpPr>
           <p:spPr>
             <a:xfrm>
-              <a:off x="7899374" y="4652714"/>
+              <a:off x="8121326" y="4654005"/>
               <a:ext cx="63202" cy="63202"/>
             </a:xfrm>
             <a:custGeom>
@@ -4363,7 +4363,7 @@
           </p:nvSpPr>
           <p:spPr>
             <a:xfrm>
-              <a:off x="7501255" y="2273383"/>
+              <a:off x="7638730" y="2273927"/>
               <a:ext cx="63202" cy="63202"/>
             </a:xfrm>
             <a:custGeom>
@@ -4406,7 +4406,7 @@
           </p:nvSpPr>
           <p:spPr>
             <a:xfrm>
-              <a:off x="7612426" y="2871454"/>
+              <a:off x="7812016" y="2870372"/>
               <a:ext cx="63202" cy="63202"/>
             </a:xfrm>
             <a:custGeom>
@@ -4449,7 +4449,7 @@
           </p:nvSpPr>
           <p:spPr>
             <a:xfrm>
-              <a:off x="7700989" y="2462826"/>
+              <a:off x="8057953" y="2462647"/>
               <a:ext cx="63202" cy="63202"/>
             </a:xfrm>
             <a:custGeom>
@@ -4492,7 +4492,7 @@
           </p:nvSpPr>
           <p:spPr>
             <a:xfrm>
-              <a:off x="7884953" y="4710985"/>
+              <a:off x="8257640" y="4710355"/>
               <a:ext cx="63202" cy="63202"/>
             </a:xfrm>
             <a:custGeom>
@@ -4535,7 +4535,7 @@
           </p:nvSpPr>
           <p:spPr>
             <a:xfrm>
-              <a:off x="8253658" y="2575933"/>
+              <a:off x="8302522" y="2576555"/>
               <a:ext cx="63202" cy="63202"/>
             </a:xfrm>
             <a:custGeom>
@@ -4578,7 +4578,7 @@
           </p:nvSpPr>
           <p:spPr>
             <a:xfrm>
-              <a:off x="7458735" y="2235195"/>
+              <a:off x="7821359" y="2235902"/>
               <a:ext cx="63202" cy="63202"/>
             </a:xfrm>
             <a:custGeom>
@@ -4621,7 +4621,7 @@
           </p:nvSpPr>
           <p:spPr>
             <a:xfrm>
-              <a:off x="7862082" y="2235169"/>
+              <a:off x="7806071" y="2236271"/>
               <a:ext cx="63202" cy="63202"/>
             </a:xfrm>
             <a:custGeom>
@@ -4664,7 +4664,7 @@
           </p:nvSpPr>
           <p:spPr>
             <a:xfrm>
-              <a:off x="7525202" y="2234810"/>
+              <a:off x="7614369" y="2234998"/>
               <a:ext cx="63202" cy="63202"/>
             </a:xfrm>
             <a:custGeom>
@@ -4707,7 +4707,7 @@
           </p:nvSpPr>
           <p:spPr>
             <a:xfrm>
-              <a:off x="7512046" y="2235989"/>
+              <a:off x="7509562" y="2235834"/>
               <a:ext cx="63202" cy="63202"/>
             </a:xfrm>
             <a:custGeom>
@@ -4750,7 +4750,7 @@
           </p:nvSpPr>
           <p:spPr>
             <a:xfrm>
-              <a:off x="7560183" y="2236235"/>
+              <a:off x="7525686" y="2235702"/>
               <a:ext cx="63202" cy="63202"/>
             </a:xfrm>
             <a:custGeom>
@@ -4793,7 +4793,7 @@
           </p:nvSpPr>
           <p:spPr>
             <a:xfrm>
-              <a:off x="8326905" y="4896201"/>
+              <a:off x="8006927" y="4897597"/>
               <a:ext cx="63202" cy="63202"/>
             </a:xfrm>
             <a:custGeom>
@@ -4836,7 +4836,7 @@
           </p:nvSpPr>
           <p:spPr>
             <a:xfrm>
-              <a:off x="8300972" y="4482033"/>
+              <a:off x="7622332" y="4483266"/>
               <a:ext cx="63202" cy="63202"/>
             </a:xfrm>
             <a:custGeom>
@@ -4879,7 +4879,7 @@
           </p:nvSpPr>
           <p:spPr>
             <a:xfrm>
-              <a:off x="8308582" y="2576033"/>
+              <a:off x="8121866" y="2577187"/>
               <a:ext cx="63202" cy="63202"/>
             </a:xfrm>
             <a:custGeom>
@@ -4922,7 +4922,7 @@
           </p:nvSpPr>
           <p:spPr>
             <a:xfrm>
-              <a:off x="8192497" y="3365106"/>
+              <a:off x="7886730" y="3365008"/>
               <a:ext cx="63202" cy="63202"/>
             </a:xfrm>
             <a:custGeom>
@@ -4965,7 +4965,7 @@
           </p:nvSpPr>
           <p:spPr>
             <a:xfrm>
-              <a:off x="7453370" y="3198998"/>
+              <a:off x="8164923" y="3200622"/>
               <a:ext cx="63202" cy="63202"/>
             </a:xfrm>
             <a:custGeom>
@@ -5008,7 +5008,7 @@
           </p:nvSpPr>
           <p:spPr>
             <a:xfrm>
-              <a:off x="8372321" y="4932118"/>
+              <a:off x="8028273" y="4935124"/>
               <a:ext cx="63202" cy="63202"/>
             </a:xfrm>
             <a:custGeom>
@@ -5051,7 +5051,7 @@
           </p:nvSpPr>
           <p:spPr>
             <a:xfrm>
-              <a:off x="7999548" y="4537680"/>
+              <a:off x="8417287" y="4538487"/>
               <a:ext cx="63202" cy="63202"/>
             </a:xfrm>
             <a:custGeom>
@@ -5094,7 +5094,7 @@
           </p:nvSpPr>
           <p:spPr>
             <a:xfrm>
-              <a:off x="9249799" y="5107690"/>
+              <a:off x="9253238" y="5109417"/>
               <a:ext cx="63202" cy="63202"/>
             </a:xfrm>
             <a:custGeom>
@@ -5137,7 +5137,7 @@
           </p:nvSpPr>
           <p:spPr>
             <a:xfrm>
-              <a:off x="8404292" y="2037064"/>
+              <a:off x="8242185" y="2036698"/>
               <a:ext cx="63202" cy="63202"/>
             </a:xfrm>
             <a:custGeom>
@@ -5180,7 +5180,7 @@
           </p:nvSpPr>
           <p:spPr>
             <a:xfrm>
-              <a:off x="7886872" y="3123744"/>
+              <a:off x="8048835" y="3125609"/>
               <a:ext cx="63202" cy="63202"/>
             </a:xfrm>
             <a:custGeom>
@@ -5223,7 +5223,7 @@
           </p:nvSpPr>
           <p:spPr>
             <a:xfrm>
-              <a:off x="7768560" y="3450220"/>
+              <a:off x="7894033" y="3449133"/>
               <a:ext cx="63202" cy="63202"/>
             </a:xfrm>
             <a:custGeom>
@@ -5266,7 +5266,7 @@
           </p:nvSpPr>
           <p:spPr>
             <a:xfrm>
-              <a:off x="8304920" y="4493933"/>
+              <a:off x="8366020" y="4493287"/>
               <a:ext cx="63202" cy="63202"/>
             </a:xfrm>
             <a:custGeom>
@@ -5309,7 +5309,7 @@
           </p:nvSpPr>
           <p:spPr>
             <a:xfrm>
-              <a:off x="8261069" y="2405083"/>
+              <a:off x="8273755" y="2404621"/>
               <a:ext cx="63202" cy="63202"/>
             </a:xfrm>
             <a:custGeom>
@@ -5352,7 +5352,7 @@
           </p:nvSpPr>
           <p:spPr>
             <a:xfrm>
-              <a:off x="7833288" y="2272514"/>
+              <a:off x="7816844" y="2273289"/>
               <a:ext cx="63202" cy="63202"/>
             </a:xfrm>
             <a:custGeom>
@@ -5395,7 +5395,7 @@
           </p:nvSpPr>
           <p:spPr>
             <a:xfrm>
-              <a:off x="7452205" y="3574763"/>
+              <a:off x="7962889" y="3575311"/>
               <a:ext cx="63202" cy="63202"/>
             </a:xfrm>
             <a:custGeom>
@@ -5438,7 +5438,7 @@
           </p:nvSpPr>
           <p:spPr>
             <a:xfrm>
-              <a:off x="8116019" y="4558693"/>
+              <a:off x="7980246" y="4558306"/>
               <a:ext cx="63202" cy="63202"/>
             </a:xfrm>
             <a:custGeom>
@@ -5481,7 +5481,7 @@
           </p:nvSpPr>
           <p:spPr>
             <a:xfrm>
-              <a:off x="8378178" y="2157046"/>
+              <a:off x="8064672" y="2156742"/>
               <a:ext cx="63202" cy="63202"/>
             </a:xfrm>
             <a:custGeom>
@@ -5524,7 +5524,7 @@
           </p:nvSpPr>
           <p:spPr>
             <a:xfrm>
-              <a:off x="8102620" y="2468138"/>
+              <a:off x="7639350" y="2468949"/>
               <a:ext cx="63202" cy="63202"/>
             </a:xfrm>
             <a:custGeom>
@@ -5567,7 +5567,7 @@
           </p:nvSpPr>
           <p:spPr>
             <a:xfrm>
-              <a:off x="8175328" y="2082589"/>
+              <a:off x="7866535" y="2082296"/>
               <a:ext cx="63202" cy="63202"/>
             </a:xfrm>
             <a:custGeom>
@@ -5610,7 +5610,7 @@
           </p:nvSpPr>
           <p:spPr>
             <a:xfrm>
-              <a:off x="7611110" y="2463324"/>
+              <a:off x="8094764" y="2461431"/>
               <a:ext cx="63202" cy="63202"/>
             </a:xfrm>
             <a:custGeom>
@@ -5653,7 +5653,7 @@
           </p:nvSpPr>
           <p:spPr>
             <a:xfrm>
-              <a:off x="7437312" y="2033302"/>
+              <a:off x="8409040" y="2033123"/>
               <a:ext cx="63202" cy="63202"/>
             </a:xfrm>
             <a:custGeom>
@@ -5696,7 +5696,7 @@
           </p:nvSpPr>
           <p:spPr>
             <a:xfrm>
-              <a:off x="7830876" y="2738172"/>
+              <a:off x="7464414" y="2740326"/>
               <a:ext cx="63202" cy="63202"/>
             </a:xfrm>
             <a:custGeom>
@@ -5739,7 +5739,7 @@
           </p:nvSpPr>
           <p:spPr>
             <a:xfrm>
-              <a:off x="7533868" y="1641734"/>
+              <a:off x="7550689" y="1641734"/>
               <a:ext cx="63202" cy="63202"/>
             </a:xfrm>
             <a:custGeom>
@@ -5782,7 +5782,7 @@
           </p:nvSpPr>
           <p:spPr>
             <a:xfrm>
-              <a:off x="8228795" y="3232434"/>
+              <a:off x="8003210" y="3234464"/>
               <a:ext cx="63202" cy="63202"/>
             </a:xfrm>
             <a:custGeom>
@@ -5825,7 +5825,7 @@
           </p:nvSpPr>
           <p:spPr>
             <a:xfrm>
-              <a:off x="7731172" y="2632263"/>
+              <a:off x="8029480" y="2630909"/>
               <a:ext cx="63202" cy="63202"/>
             </a:xfrm>
             <a:custGeom>
@@ -5868,7 +5868,7 @@
           </p:nvSpPr>
           <p:spPr>
             <a:xfrm>
-              <a:off x="7501407" y="2508316"/>
+              <a:off x="8266091" y="2508786"/>
               <a:ext cx="63202" cy="63202"/>
             </a:xfrm>
             <a:custGeom>
@@ -5911,7 +5911,7 @@
           </p:nvSpPr>
           <p:spPr>
             <a:xfrm>
-              <a:off x="7910442" y="2737249"/>
+              <a:off x="7712999" y="2735068"/>
               <a:ext cx="63202" cy="63202"/>
             </a:xfrm>
             <a:custGeom>
@@ -5954,7 +5954,7 @@
           </p:nvSpPr>
           <p:spPr>
             <a:xfrm>
-              <a:off x="7423995" y="3243617"/>
+              <a:off x="7912155" y="3244244"/>
               <a:ext cx="63202" cy="63202"/>
             </a:xfrm>
             <a:custGeom>
@@ -5997,7 +5997,7 @@
           </p:nvSpPr>
           <p:spPr>
             <a:xfrm>
-              <a:off x="8268006" y="2930951"/>
+              <a:off x="7921640" y="2932921"/>
               <a:ext cx="63202" cy="63202"/>
             </a:xfrm>
             <a:custGeom>
@@ -6040,7 +6040,7 @@
           </p:nvSpPr>
           <p:spPr>
             <a:xfrm>
-              <a:off x="8149457" y="3088086"/>
+              <a:off x="8359902" y="3088277"/>
               <a:ext cx="63202" cy="63202"/>
             </a:xfrm>
             <a:custGeom>
@@ -6083,7 +6083,7 @@
           </p:nvSpPr>
           <p:spPr>
             <a:xfrm>
-              <a:off x="8420338" y="3015339"/>
+              <a:off x="8070264" y="3017105"/>
               <a:ext cx="63202" cy="63202"/>
             </a:xfrm>
             <a:custGeom>
@@ -6126,7 +6126,7 @@
           </p:nvSpPr>
           <p:spPr>
             <a:xfrm>
-              <a:off x="7774534" y="3286576"/>
+              <a:off x="7931681" y="3288650"/>
               <a:ext cx="63202" cy="63202"/>
             </a:xfrm>
             <a:custGeom>
@@ -6169,7 +6169,7 @@
           </p:nvSpPr>
           <p:spPr>
             <a:xfrm>
-              <a:off x="8311142" y="3765574"/>
+              <a:off x="8372242" y="3768802"/>
               <a:ext cx="63202" cy="63202"/>
             </a:xfrm>
             <a:custGeom>
@@ -7001,7 +7001,7 @@
           </p:nvSpPr>
           <p:spPr>
             <a:xfrm>
-              <a:off x="1148183" y="6778213"/>
+              <a:off x="1148183" y="6780258"/>
               <a:ext cx="186466" cy="81691"/>
             </a:xfrm>
             <a:prstGeom prst="rect">
@@ -7047,7 +7047,7 @@
           </p:nvSpPr>
           <p:spPr>
             <a:xfrm>
-              <a:off x="1148183" y="5088338"/>
+              <a:off x="1148183" y="5089618"/>
               <a:ext cx="186466" cy="81691"/>
             </a:xfrm>
             <a:prstGeom prst="rect">
@@ -7093,7 +7093,7 @@
           </p:nvSpPr>
           <p:spPr>
             <a:xfrm>
-              <a:off x="1148183" y="3398463"/>
+              <a:off x="1148183" y="3398978"/>
               <a:ext cx="186466" cy="81691"/>
             </a:xfrm>
             <a:prstGeom prst="rect">
@@ -7139,7 +7139,7 @@
           </p:nvSpPr>
           <p:spPr>
             <a:xfrm>
-              <a:off x="1148183" y="1708589"/>
+              <a:off x="1148183" y="1708338"/>
               <a:ext cx="186466" cy="81691"/>
             </a:xfrm>
             <a:prstGeom prst="rect">
@@ -7185,7 +7185,7 @@
           </p:nvSpPr>
           <p:spPr>
             <a:xfrm>
-              <a:off x="1362485" y="6819904"/>
+              <a:off x="1362485" y="6821950"/>
               <a:ext cx="34794" cy="0"/>
             </a:xfrm>
             <a:custGeom>
@@ -7225,7 +7225,7 @@
           </p:nvSpPr>
           <p:spPr>
             <a:xfrm>
-              <a:off x="1362485" y="5130030"/>
+              <a:off x="1362485" y="5131310"/>
               <a:ext cx="34794" cy="0"/>
             </a:xfrm>
             <a:custGeom>
@@ -7265,7 +7265,7 @@
           </p:nvSpPr>
           <p:spPr>
             <a:xfrm>
-              <a:off x="1362485" y="3440155"/>
+              <a:off x="1362485" y="3440670"/>
               <a:ext cx="34794" cy="0"/>
             </a:xfrm>
             <a:custGeom>
@@ -7305,7 +7305,7 @@
           </p:nvSpPr>
           <p:spPr>
             <a:xfrm>
-              <a:off x="1362485" y="1750281"/>
+              <a:off x="1362485" y="1750030"/>
               <a:ext cx="34794" cy="0"/>
             </a:xfrm>
             <a:custGeom>

--- a/Images/Figures_PPT/Jitter_Plot_SIN1_Domain.pptx
+++ b/Images/Figures_PPT/Jitter_Plot_SIN1_Domain.pptx
@@ -2359,7 +2359,7 @@
           </p:nvSpPr>
           <p:spPr>
             <a:xfrm>
-              <a:off x="1397280" y="5976630"/>
+              <a:off x="1397280" y="5975398"/>
               <a:ext cx="2817450" cy="0"/>
             </a:xfrm>
             <a:custGeom>
@@ -2402,7 +2402,7 @@
           </p:nvSpPr>
           <p:spPr>
             <a:xfrm>
-              <a:off x="1397280" y="4285990"/>
+              <a:off x="1397280" y="4285500"/>
               <a:ext cx="2817450" cy="0"/>
             </a:xfrm>
             <a:custGeom>
@@ -2445,7 +2445,7 @@
           </p:nvSpPr>
           <p:spPr>
             <a:xfrm>
-              <a:off x="1397280" y="2595350"/>
+              <a:off x="1397280" y="2595601"/>
               <a:ext cx="2817450" cy="0"/>
             </a:xfrm>
             <a:custGeom>
@@ -2488,7 +2488,7 @@
           </p:nvSpPr>
           <p:spPr>
             <a:xfrm>
-              <a:off x="1397280" y="6821950"/>
+              <a:off x="1397280" y="6820347"/>
               <a:ext cx="2817450" cy="0"/>
             </a:xfrm>
             <a:custGeom>
@@ -2531,7 +2531,7 @@
           </p:nvSpPr>
           <p:spPr>
             <a:xfrm>
-              <a:off x="1397280" y="5131310"/>
+              <a:off x="1397280" y="5130449"/>
               <a:ext cx="2817450" cy="0"/>
             </a:xfrm>
             <a:custGeom>
@@ -2574,7 +2574,7 @@
           </p:nvSpPr>
           <p:spPr>
             <a:xfrm>
-              <a:off x="1397280" y="3440670"/>
+              <a:off x="1397280" y="3440550"/>
               <a:ext cx="2817450" cy="0"/>
             </a:xfrm>
             <a:custGeom>
@@ -2617,7 +2617,7 @@
           </p:nvSpPr>
           <p:spPr>
             <a:xfrm>
-              <a:off x="1397280" y="1750030"/>
+              <a:off x="1397280" y="1750652"/>
               <a:ext cx="2817450" cy="0"/>
             </a:xfrm>
             <a:custGeom>
@@ -2746,7 +2746,7 @@
           </p:nvSpPr>
           <p:spPr>
             <a:xfrm>
-              <a:off x="2038762" y="3296147"/>
+              <a:off x="2378887" y="3297318"/>
               <a:ext cx="63202" cy="63202"/>
             </a:xfrm>
             <a:custGeom>
@@ -2789,7 +2789,7 @@
           </p:nvSpPr>
           <p:spPr>
             <a:xfrm>
-              <a:off x="2641582" y="3296802"/>
+              <a:off x="1650625" y="3297027"/>
               <a:ext cx="63202" cy="63202"/>
             </a:xfrm>
             <a:custGeom>
@@ -2832,7 +2832,7 @@
           </p:nvSpPr>
           <p:spPr>
             <a:xfrm>
-              <a:off x="2154452" y="3890475"/>
+              <a:off x="1669707" y="3887685"/>
               <a:ext cx="63202" cy="63202"/>
             </a:xfrm>
             <a:custGeom>
@@ -2875,7 +2875,7 @@
           </p:nvSpPr>
           <p:spPr>
             <a:xfrm>
-              <a:off x="2074673" y="3313579"/>
+              <a:off x="1838597" y="3313549"/>
               <a:ext cx="63202" cy="63202"/>
             </a:xfrm>
             <a:custGeom>
@@ -2918,7 +2918,7 @@
           </p:nvSpPr>
           <p:spPr>
             <a:xfrm>
-              <a:off x="1868060" y="3750048"/>
+              <a:off x="1733214" y="3751179"/>
               <a:ext cx="63202" cy="63202"/>
             </a:xfrm>
             <a:custGeom>
@@ -2961,7 +2961,7 @@
           </p:nvSpPr>
           <p:spPr>
             <a:xfrm>
-              <a:off x="2477695" y="3699287"/>
+              <a:off x="1831572" y="3700692"/>
               <a:ext cx="63202" cy="63202"/>
             </a:xfrm>
             <a:custGeom>
@@ -3060,7 +3060,7 @@
           </p:nvSpPr>
           <p:spPr>
             <a:xfrm>
-              <a:off x="4284320" y="5976630"/>
+              <a:off x="4284320" y="5975398"/>
               <a:ext cx="2817450" cy="0"/>
             </a:xfrm>
             <a:custGeom>
@@ -3103,7 +3103,7 @@
           </p:nvSpPr>
           <p:spPr>
             <a:xfrm>
-              <a:off x="4284320" y="4285990"/>
+              <a:off x="4284320" y="4285500"/>
               <a:ext cx="2817450" cy="0"/>
             </a:xfrm>
             <a:custGeom>
@@ -3146,7 +3146,7 @@
           </p:nvSpPr>
           <p:spPr>
             <a:xfrm>
-              <a:off x="4284320" y="2595350"/>
+              <a:off x="4284320" y="2595601"/>
               <a:ext cx="2817450" cy="0"/>
             </a:xfrm>
             <a:custGeom>
@@ -3189,7 +3189,7 @@
           </p:nvSpPr>
           <p:spPr>
             <a:xfrm>
-              <a:off x="4284320" y="6821950"/>
+              <a:off x="4284320" y="6820347"/>
               <a:ext cx="2817450" cy="0"/>
             </a:xfrm>
             <a:custGeom>
@@ -3232,7 +3232,7 @@
           </p:nvSpPr>
           <p:spPr>
             <a:xfrm>
-              <a:off x="4284320" y="5131310"/>
+              <a:off x="4284320" y="5130449"/>
               <a:ext cx="2817450" cy="0"/>
             </a:xfrm>
             <a:custGeom>
@@ -3275,7 +3275,7 @@
           </p:nvSpPr>
           <p:spPr>
             <a:xfrm>
-              <a:off x="4284320" y="3440670"/>
+              <a:off x="4284320" y="3440550"/>
               <a:ext cx="2817450" cy="0"/>
             </a:xfrm>
             <a:custGeom>
@@ -3318,7 +3318,7 @@
           </p:nvSpPr>
           <p:spPr>
             <a:xfrm>
-              <a:off x="4284320" y="1750030"/>
+              <a:off x="4284320" y="1750652"/>
               <a:ext cx="2817450" cy="0"/>
             </a:xfrm>
             <a:custGeom>
@@ -3447,7 +3447,7 @@
           </p:nvSpPr>
           <p:spPr>
             <a:xfrm>
-              <a:off x="6587572" y="6009547"/>
+              <a:off x="6661243" y="6009179"/>
               <a:ext cx="63202" cy="63202"/>
             </a:xfrm>
             <a:custGeom>
@@ -3490,7 +3490,7 @@
           </p:nvSpPr>
           <p:spPr>
             <a:xfrm>
-              <a:off x="6313047" y="5676879"/>
+              <a:off x="6042746" y="5676892"/>
               <a:ext cx="63202" cy="63202"/>
             </a:xfrm>
             <a:custGeom>
@@ -3589,7 +3589,7 @@
           </p:nvSpPr>
           <p:spPr>
             <a:xfrm>
-              <a:off x="7171360" y="5976630"/>
+              <a:off x="7171360" y="5975398"/>
               <a:ext cx="2817450" cy="0"/>
             </a:xfrm>
             <a:custGeom>
@@ -3632,7 +3632,7 @@
           </p:nvSpPr>
           <p:spPr>
             <a:xfrm>
-              <a:off x="7171360" y="4285990"/>
+              <a:off x="7171360" y="4285500"/>
               <a:ext cx="2817450" cy="0"/>
             </a:xfrm>
             <a:custGeom>
@@ -3675,7 +3675,7 @@
           </p:nvSpPr>
           <p:spPr>
             <a:xfrm>
-              <a:off x="7171360" y="2595350"/>
+              <a:off x="7171360" y="2595601"/>
               <a:ext cx="2817450" cy="0"/>
             </a:xfrm>
             <a:custGeom>
@@ -3718,7 +3718,7 @@
           </p:nvSpPr>
           <p:spPr>
             <a:xfrm>
-              <a:off x="7171360" y="6821950"/>
+              <a:off x="7171360" y="6820347"/>
               <a:ext cx="2817450" cy="0"/>
             </a:xfrm>
             <a:custGeom>
@@ -3761,7 +3761,7 @@
           </p:nvSpPr>
           <p:spPr>
             <a:xfrm>
-              <a:off x="7171360" y="5131310"/>
+              <a:off x="7171360" y="5130449"/>
               <a:ext cx="2817450" cy="0"/>
             </a:xfrm>
             <a:custGeom>
@@ -3804,7 +3804,7 @@
           </p:nvSpPr>
           <p:spPr>
             <a:xfrm>
-              <a:off x="7171360" y="3440670"/>
+              <a:off x="7171360" y="3440550"/>
               <a:ext cx="2817450" cy="0"/>
             </a:xfrm>
             <a:custGeom>
@@ -3847,7 +3847,7 @@
           </p:nvSpPr>
           <p:spPr>
             <a:xfrm>
-              <a:off x="7171360" y="1750030"/>
+              <a:off x="7171360" y="1750652"/>
               <a:ext cx="2817450" cy="0"/>
             </a:xfrm>
             <a:custGeom>
@@ -3976,7 +3976,7 @@
           </p:nvSpPr>
           <p:spPr>
             <a:xfrm>
-              <a:off x="7624379" y="2994463"/>
+              <a:off x="8294050" y="2992985"/>
               <a:ext cx="63202" cy="63202"/>
             </a:xfrm>
             <a:custGeom>
@@ -4019,7 +4019,7 @@
           </p:nvSpPr>
           <p:spPr>
             <a:xfrm>
-              <a:off x="7596327" y="3269450"/>
+              <a:off x="8191848" y="3269404"/>
               <a:ext cx="63202" cy="63202"/>
             </a:xfrm>
             <a:custGeom>
@@ -4062,7 +4062,7 @@
           </p:nvSpPr>
           <p:spPr>
             <a:xfrm>
-              <a:off x="9106921" y="6634049"/>
+              <a:off x="8705896" y="6634049"/>
               <a:ext cx="63202" cy="63202"/>
             </a:xfrm>
             <a:custGeom>
@@ -4105,7 +4105,7 @@
           </p:nvSpPr>
           <p:spPr>
             <a:xfrm>
-              <a:off x="9210245" y="6468098"/>
+              <a:off x="9131914" y="6466989"/>
               <a:ext cx="63202" cy="63202"/>
             </a:xfrm>
             <a:custGeom>
@@ -4148,7 +4148,7 @@
           </p:nvSpPr>
           <p:spPr>
             <a:xfrm>
-              <a:off x="9635096" y="5156098"/>
+              <a:off x="8803338" y="5156906"/>
               <a:ext cx="63202" cy="63202"/>
             </a:xfrm>
             <a:custGeom>
@@ -4191,7 +4191,7 @@
           </p:nvSpPr>
           <p:spPr>
             <a:xfrm>
-              <a:off x="8271712" y="3439150"/>
+              <a:off x="8290082" y="3440017"/>
               <a:ext cx="63202" cy="63202"/>
             </a:xfrm>
             <a:custGeom>
@@ -4234,7 +4234,7 @@
           </p:nvSpPr>
           <p:spPr>
             <a:xfrm>
-              <a:off x="9522994" y="6137881"/>
+              <a:off x="9248851" y="6137052"/>
               <a:ext cx="63202" cy="63202"/>
             </a:xfrm>
             <a:custGeom>
@@ -4277,7 +4277,7 @@
           </p:nvSpPr>
           <p:spPr>
             <a:xfrm>
-              <a:off x="9650627" y="5775078"/>
+              <a:off x="9659823" y="5775996"/>
               <a:ext cx="63202" cy="63202"/>
             </a:xfrm>
             <a:custGeom>
@@ -4320,7 +4320,7 @@
           </p:nvSpPr>
           <p:spPr>
             <a:xfrm>
-              <a:off x="8121326" y="4654005"/>
+              <a:off x="7983772" y="4653404"/>
               <a:ext cx="63202" cy="63202"/>
             </a:xfrm>
             <a:custGeom>
@@ -4363,7 +4363,7 @@
           </p:nvSpPr>
           <p:spPr>
             <a:xfrm>
-              <a:off x="7638730" y="2273927"/>
+              <a:off x="8034176" y="2272006"/>
               <a:ext cx="63202" cy="63202"/>
             </a:xfrm>
             <a:custGeom>
@@ -4406,7 +4406,7 @@
           </p:nvSpPr>
           <p:spPr>
             <a:xfrm>
-              <a:off x="7812016" y="2870372"/>
+              <a:off x="7934856" y="2872771"/>
               <a:ext cx="63202" cy="63202"/>
             </a:xfrm>
             <a:custGeom>
@@ -4449,7 +4449,7 @@
           </p:nvSpPr>
           <p:spPr>
             <a:xfrm>
-              <a:off x="8057953" y="2462647"/>
+              <a:off x="7730762" y="2461654"/>
               <a:ext cx="63202" cy="63202"/>
             </a:xfrm>
             <a:custGeom>
@@ -4492,7 +4492,7 @@
           </p:nvSpPr>
           <p:spPr>
             <a:xfrm>
-              <a:off x="8257640" y="4710355"/>
+              <a:off x="7942384" y="4709356"/>
               <a:ext cx="63202" cy="63202"/>
             </a:xfrm>
             <a:custGeom>
@@ -4535,7 +4535,7 @@
           </p:nvSpPr>
           <p:spPr>
             <a:xfrm>
-              <a:off x="8302522" y="2576555"/>
+              <a:off x="8045897" y="2577935"/>
               <a:ext cx="63202" cy="63202"/>
             </a:xfrm>
             <a:custGeom>
@@ -4578,7 +4578,7 @@
           </p:nvSpPr>
           <p:spPr>
             <a:xfrm>
-              <a:off x="7821359" y="2235902"/>
+              <a:off x="7878403" y="2235132"/>
               <a:ext cx="63202" cy="63202"/>
             </a:xfrm>
             <a:custGeom>
@@ -4621,7 +4621,7 @@
           </p:nvSpPr>
           <p:spPr>
             <a:xfrm>
-              <a:off x="7806071" y="2236271"/>
+              <a:off x="8290824" y="2235386"/>
               <a:ext cx="63202" cy="63202"/>
             </a:xfrm>
             <a:custGeom>
@@ -4664,7 +4664,7 @@
           </p:nvSpPr>
           <p:spPr>
             <a:xfrm>
-              <a:off x="7614369" y="2234998"/>
+              <a:off x="8350002" y="2235027"/>
               <a:ext cx="63202" cy="63202"/>
             </a:xfrm>
             <a:custGeom>
@@ -4707,7 +4707,7 @@
           </p:nvSpPr>
           <p:spPr>
             <a:xfrm>
-              <a:off x="7509562" y="2235834"/>
+              <a:off x="7669232" y="2236928"/>
               <a:ext cx="63202" cy="63202"/>
             </a:xfrm>
             <a:custGeom>
@@ -4750,7 +4750,7 @@
           </p:nvSpPr>
           <p:spPr>
             <a:xfrm>
-              <a:off x="7525686" y="2235702"/>
+              <a:off x="7516600" y="2235278"/>
               <a:ext cx="63202" cy="63202"/>
             </a:xfrm>
             <a:custGeom>
@@ -4793,7 +4793,7 @@
           </p:nvSpPr>
           <p:spPr>
             <a:xfrm>
-              <a:off x="8006927" y="4897597"/>
+              <a:off x="7750607" y="4896970"/>
               <a:ext cx="63202" cy="63202"/>
             </a:xfrm>
             <a:custGeom>
@@ -4836,7 +4836,7 @@
           </p:nvSpPr>
           <p:spPr>
             <a:xfrm>
-              <a:off x="7622332" y="4483266"/>
+              <a:off x="8186607" y="4483747"/>
               <a:ext cx="63202" cy="63202"/>
             </a:xfrm>
             <a:custGeom>
@@ -4879,7 +4879,7 @@
           </p:nvSpPr>
           <p:spPr>
             <a:xfrm>
-              <a:off x="8121866" y="2577187"/>
+              <a:off x="7676584" y="2576713"/>
               <a:ext cx="63202" cy="63202"/>
             </a:xfrm>
             <a:custGeom>
@@ -4922,7 +4922,7 @@
           </p:nvSpPr>
           <p:spPr>
             <a:xfrm>
-              <a:off x="7886730" y="3365008"/>
+              <a:off x="8338845" y="3364548"/>
               <a:ext cx="63202" cy="63202"/>
             </a:xfrm>
             <a:custGeom>
@@ -4965,7 +4965,7 @@
           </p:nvSpPr>
           <p:spPr>
             <a:xfrm>
-              <a:off x="8164923" y="3200622"/>
+              <a:off x="7559207" y="3199816"/>
               <a:ext cx="63202" cy="63202"/>
             </a:xfrm>
             <a:custGeom>
@@ -5008,7 +5008,7 @@
           </p:nvSpPr>
           <p:spPr>
             <a:xfrm>
-              <a:off x="8028273" y="4935124"/>
+              <a:off x="7849134" y="4932441"/>
               <a:ext cx="63202" cy="63202"/>
             </a:xfrm>
             <a:custGeom>
@@ -5051,7 +5051,7 @@
           </p:nvSpPr>
           <p:spPr>
             <a:xfrm>
-              <a:off x="8417287" y="4538487"/>
+              <a:off x="8146594" y="4536937"/>
               <a:ext cx="63202" cy="63202"/>
             </a:xfrm>
             <a:custGeom>
@@ -5094,7 +5094,7 @@
           </p:nvSpPr>
           <p:spPr>
             <a:xfrm>
-              <a:off x="9253238" y="5109417"/>
+              <a:off x="9025690" y="5108297"/>
               <a:ext cx="63202" cy="63202"/>
             </a:xfrm>
             <a:custGeom>
@@ -5137,7 +5137,7 @@
           </p:nvSpPr>
           <p:spPr>
             <a:xfrm>
-              <a:off x="8242185" y="2036698"/>
+              <a:off x="8114895" y="2036248"/>
               <a:ext cx="63202" cy="63202"/>
             </a:xfrm>
             <a:custGeom>
@@ -5180,7 +5180,7 @@
           </p:nvSpPr>
           <p:spPr>
             <a:xfrm>
-              <a:off x="8048835" y="3125609"/>
+              <a:off x="7762985" y="3124701"/>
               <a:ext cx="63202" cy="63202"/>
             </a:xfrm>
             <a:custGeom>
@@ -5223,7 +5223,7 @@
           </p:nvSpPr>
           <p:spPr>
             <a:xfrm>
-              <a:off x="7894033" y="3449133"/>
+              <a:off x="7869946" y="3450592"/>
               <a:ext cx="63202" cy="63202"/>
             </a:xfrm>
             <a:custGeom>
@@ -5266,7 +5266,7 @@
           </p:nvSpPr>
           <p:spPr>
             <a:xfrm>
-              <a:off x="8366020" y="4493287"/>
+              <a:off x="7546132" y="4494080"/>
               <a:ext cx="63202" cy="63202"/>
             </a:xfrm>
             <a:custGeom>
@@ -5309,7 +5309,7 @@
           </p:nvSpPr>
           <p:spPr>
             <a:xfrm>
-              <a:off x="8273755" y="2404621"/>
+              <a:off x="7638193" y="2406385"/>
               <a:ext cx="63202" cy="63202"/>
             </a:xfrm>
             <a:custGeom>
@@ -5352,7 +5352,7 @@
           </p:nvSpPr>
           <p:spPr>
             <a:xfrm>
-              <a:off x="7816844" y="2273289"/>
+              <a:off x="8230919" y="2272723"/>
               <a:ext cx="63202" cy="63202"/>
             </a:xfrm>
             <a:custGeom>
@@ -5395,7 +5395,7 @@
           </p:nvSpPr>
           <p:spPr>
             <a:xfrm>
-              <a:off x="7962889" y="3575311"/>
+              <a:off x="8153802" y="3575409"/>
               <a:ext cx="63202" cy="63202"/>
             </a:xfrm>
             <a:custGeom>
@@ -5438,7 +5438,7 @@
           </p:nvSpPr>
           <p:spPr>
             <a:xfrm>
-              <a:off x="7980246" y="4558306"/>
+              <a:off x="8329264" y="4558830"/>
               <a:ext cx="63202" cy="63202"/>
             </a:xfrm>
             <a:custGeom>
@@ -5481,7 +5481,7 @@
           </p:nvSpPr>
           <p:spPr>
             <a:xfrm>
-              <a:off x="8064672" y="2156742"/>
+              <a:off x="7787539" y="2157969"/>
               <a:ext cx="63202" cy="63202"/>
             </a:xfrm>
             <a:custGeom>
@@ -5524,7 +5524,7 @@
           </p:nvSpPr>
           <p:spPr>
             <a:xfrm>
-              <a:off x="7639350" y="2468949"/>
+              <a:off x="7748744" y="2469217"/>
               <a:ext cx="63202" cy="63202"/>
             </a:xfrm>
             <a:custGeom>
@@ -5567,7 +5567,7 @@
           </p:nvSpPr>
           <p:spPr>
             <a:xfrm>
-              <a:off x="7866535" y="2082296"/>
+              <a:off x="8315066" y="2084419"/>
               <a:ext cx="63202" cy="63202"/>
             </a:xfrm>
             <a:custGeom>
@@ -5610,7 +5610,7 @@
           </p:nvSpPr>
           <p:spPr>
             <a:xfrm>
-              <a:off x="8094764" y="2461431"/>
+              <a:off x="7670455" y="2463018"/>
               <a:ext cx="63202" cy="63202"/>
             </a:xfrm>
             <a:custGeom>
@@ -5653,7 +5653,7 @@
           </p:nvSpPr>
           <p:spPr>
             <a:xfrm>
-              <a:off x="8409040" y="2033123"/>
+              <a:off x="7625636" y="2033742"/>
               <a:ext cx="63202" cy="63202"/>
             </a:xfrm>
             <a:custGeom>
@@ -5696,7 +5696,7 @@
           </p:nvSpPr>
           <p:spPr>
             <a:xfrm>
-              <a:off x="7464414" y="2740326"/>
+              <a:off x="8241345" y="2739994"/>
               <a:ext cx="63202" cy="63202"/>
             </a:xfrm>
             <a:custGeom>
@@ -5739,7 +5739,7 @@
           </p:nvSpPr>
           <p:spPr>
             <a:xfrm>
-              <a:off x="7550689" y="1641734"/>
+              <a:off x="8002088" y="1641734"/>
               <a:ext cx="63202" cy="63202"/>
             </a:xfrm>
             <a:custGeom>
@@ -5782,7 +5782,7 @@
           </p:nvSpPr>
           <p:spPr>
             <a:xfrm>
-              <a:off x="8003210" y="3234464"/>
+              <a:off x="7921541" y="3232231"/>
               <a:ext cx="63202" cy="63202"/>
             </a:xfrm>
             <a:custGeom>
@@ -5825,7 +5825,7 @@
           </p:nvSpPr>
           <p:spPr>
             <a:xfrm>
-              <a:off x="8029480" y="2630909"/>
+              <a:off x="8378697" y="2631684"/>
               <a:ext cx="63202" cy="63202"/>
             </a:xfrm>
             <a:custGeom>
@@ -5868,7 +5868,7 @@
           </p:nvSpPr>
           <p:spPr>
             <a:xfrm>
-              <a:off x="8266091" y="2508786"/>
+              <a:off x="8326004" y="2511107"/>
               <a:ext cx="63202" cy="63202"/>
             </a:xfrm>
             <a:custGeom>
@@ -5911,7 +5911,7 @@
           </p:nvSpPr>
           <p:spPr>
             <a:xfrm>
-              <a:off x="7712999" y="2735068"/>
+              <a:off x="8336890" y="2736817"/>
               <a:ext cx="63202" cy="63202"/>
             </a:xfrm>
             <a:custGeom>
@@ -5954,7 +5954,7 @@
           </p:nvSpPr>
           <p:spPr>
             <a:xfrm>
-              <a:off x="7912155" y="3244244"/>
+              <a:off x="8290077" y="3243293"/>
               <a:ext cx="63202" cy="63202"/>
             </a:xfrm>
             <a:custGeom>
@@ -5997,7 +5997,7 @@
           </p:nvSpPr>
           <p:spPr>
             <a:xfrm>
-              <a:off x="7921640" y="2932921"/>
+              <a:off x="7576339" y="2933482"/>
               <a:ext cx="63202" cy="63202"/>
             </a:xfrm>
             <a:custGeom>
@@ -6040,7 +6040,7 @@
           </p:nvSpPr>
           <p:spPr>
             <a:xfrm>
-              <a:off x="8359902" y="3088277"/>
+              <a:off x="7882604" y="3088603"/>
               <a:ext cx="63202" cy="63202"/>
             </a:xfrm>
             <a:custGeom>
@@ -6083,7 +6083,7 @@
           </p:nvSpPr>
           <p:spPr>
             <a:xfrm>
-              <a:off x="8070264" y="3017105"/>
+              <a:off x="7677849" y="3016332"/>
               <a:ext cx="63202" cy="63202"/>
             </a:xfrm>
             <a:custGeom>
@@ -6126,7 +6126,7 @@
           </p:nvSpPr>
           <p:spPr>
             <a:xfrm>
-              <a:off x="7931681" y="3288650"/>
+              <a:off x="7960427" y="3286643"/>
               <a:ext cx="63202" cy="63202"/>
             </a:xfrm>
             <a:custGeom>
@@ -6169,7 +6169,7 @@
           </p:nvSpPr>
           <p:spPr>
             <a:xfrm>
-              <a:off x="8372242" y="3768802"/>
+              <a:off x="7591120" y="3768213"/>
               <a:ext cx="63202" cy="63202"/>
             </a:xfrm>
             <a:custGeom>
@@ -7001,7 +7001,7 @@
           </p:nvSpPr>
           <p:spPr>
             <a:xfrm>
-              <a:off x="1148183" y="6780258"/>
+              <a:off x="1148183" y="6778656"/>
               <a:ext cx="186466" cy="81691"/>
             </a:xfrm>
             <a:prstGeom prst="rect">
@@ -7047,7 +7047,7 @@
           </p:nvSpPr>
           <p:spPr>
             <a:xfrm>
-              <a:off x="1148183" y="5089618"/>
+              <a:off x="1148183" y="5088757"/>
               <a:ext cx="186466" cy="81691"/>
             </a:xfrm>
             <a:prstGeom prst="rect">
@@ -7093,7 +7093,7 @@
           </p:nvSpPr>
           <p:spPr>
             <a:xfrm>
-              <a:off x="1148183" y="3398978"/>
+              <a:off x="1148183" y="3398859"/>
               <a:ext cx="186466" cy="81691"/>
             </a:xfrm>
             <a:prstGeom prst="rect">
@@ -7139,7 +7139,7 @@
           </p:nvSpPr>
           <p:spPr>
             <a:xfrm>
-              <a:off x="1148183" y="1708338"/>
+              <a:off x="1148183" y="1708960"/>
               <a:ext cx="186466" cy="81691"/>
             </a:xfrm>
             <a:prstGeom prst="rect">
@@ -7185,7 +7185,7 @@
           </p:nvSpPr>
           <p:spPr>
             <a:xfrm>
-              <a:off x="1362485" y="6821950"/>
+              <a:off x="1362485" y="6820347"/>
               <a:ext cx="34794" cy="0"/>
             </a:xfrm>
             <a:custGeom>
@@ -7225,7 +7225,7 @@
           </p:nvSpPr>
           <p:spPr>
             <a:xfrm>
-              <a:off x="1362485" y="5131310"/>
+              <a:off x="1362485" y="5130449"/>
               <a:ext cx="34794" cy="0"/>
             </a:xfrm>
             <a:custGeom>
@@ -7265,7 +7265,7 @@
           </p:nvSpPr>
           <p:spPr>
             <a:xfrm>
-              <a:off x="1362485" y="3440670"/>
+              <a:off x="1362485" y="3440550"/>
               <a:ext cx="34794" cy="0"/>
             </a:xfrm>
             <a:custGeom>
@@ -7305,7 +7305,7 @@
           </p:nvSpPr>
           <p:spPr>
             <a:xfrm>
-              <a:off x="1362485" y="1750030"/>
+              <a:off x="1362485" y="1750652"/>
               <a:ext cx="34794" cy="0"/>
             </a:xfrm>
             <a:custGeom>

--- a/Images/Figures_PPT/Jitter_Plot_SIN1_Domain.pptx
+++ b/Images/Figures_PPT/Jitter_Plot_SIN1_Domain.pptx
@@ -2359,7 +2359,7 @@
           </p:nvSpPr>
           <p:spPr>
             <a:xfrm>
-              <a:off x="1397280" y="5975398"/>
+              <a:off x="1397280" y="5976159"/>
               <a:ext cx="2817450" cy="0"/>
             </a:xfrm>
             <a:custGeom>
@@ -2402,7 +2402,7 @@
           </p:nvSpPr>
           <p:spPr>
             <a:xfrm>
-              <a:off x="1397280" y="4285500"/>
+              <a:off x="1397280" y="4286000"/>
               <a:ext cx="2817450" cy="0"/>
             </a:xfrm>
             <a:custGeom>
@@ -2445,7 +2445,7 @@
           </p:nvSpPr>
           <p:spPr>
             <a:xfrm>
-              <a:off x="1397280" y="2595601"/>
+              <a:off x="1397280" y="2595840"/>
               <a:ext cx="2817450" cy="0"/>
             </a:xfrm>
             <a:custGeom>
@@ -2488,7 +2488,7 @@
           </p:nvSpPr>
           <p:spPr>
             <a:xfrm>
-              <a:off x="1397280" y="6820347"/>
+              <a:off x="1397280" y="6821238"/>
               <a:ext cx="2817450" cy="0"/>
             </a:xfrm>
             <a:custGeom>
@@ -2531,7 +2531,7 @@
           </p:nvSpPr>
           <p:spPr>
             <a:xfrm>
-              <a:off x="1397280" y="5130449"/>
+              <a:off x="1397280" y="5131079"/>
               <a:ext cx="2817450" cy="0"/>
             </a:xfrm>
             <a:custGeom>
@@ -2574,7 +2574,7 @@
           </p:nvSpPr>
           <p:spPr>
             <a:xfrm>
-              <a:off x="1397280" y="3440550"/>
+              <a:off x="1397280" y="3440920"/>
               <a:ext cx="2817450" cy="0"/>
             </a:xfrm>
             <a:custGeom>
@@ -2617,7 +2617,7 @@
           </p:nvSpPr>
           <p:spPr>
             <a:xfrm>
-              <a:off x="1397280" y="1750652"/>
+              <a:off x="1397280" y="1750761"/>
               <a:ext cx="2817450" cy="0"/>
             </a:xfrm>
             <a:custGeom>
@@ -2746,7 +2746,7 @@
           </p:nvSpPr>
           <p:spPr>
             <a:xfrm>
-              <a:off x="2378887" y="3297318"/>
+              <a:off x="2480268" y="3298377"/>
               <a:ext cx="63202" cy="63202"/>
             </a:xfrm>
             <a:custGeom>
@@ -2789,7 +2789,7 @@
           </p:nvSpPr>
           <p:spPr>
             <a:xfrm>
-              <a:off x="1650625" y="3297027"/>
+              <a:off x="1983064" y="3297497"/>
               <a:ext cx="63202" cy="63202"/>
             </a:xfrm>
             <a:custGeom>
@@ -2832,7 +2832,7 @@
           </p:nvSpPr>
           <p:spPr>
             <a:xfrm>
-              <a:off x="1669707" y="3887685"/>
+              <a:off x="2625246" y="3890185"/>
               <a:ext cx="63202" cy="63202"/>
             </a:xfrm>
             <a:custGeom>
@@ -2875,7 +2875,7 @@
           </p:nvSpPr>
           <p:spPr>
             <a:xfrm>
-              <a:off x="1838597" y="3313549"/>
+              <a:off x="2451676" y="3314944"/>
               <a:ext cx="63202" cy="63202"/>
             </a:xfrm>
             <a:custGeom>
@@ -2918,7 +2918,7 @@
           </p:nvSpPr>
           <p:spPr>
             <a:xfrm>
-              <a:off x="1733214" y="3751179"/>
+              <a:off x="2369998" y="3749600"/>
               <a:ext cx="63202" cy="63202"/>
             </a:xfrm>
             <a:custGeom>
@@ -2961,7 +2961,7 @@
           </p:nvSpPr>
           <p:spPr>
             <a:xfrm>
-              <a:off x="1831572" y="3700692"/>
+              <a:off x="1889364" y="3699364"/>
               <a:ext cx="63202" cy="63202"/>
             </a:xfrm>
             <a:custGeom>
@@ -3060,7 +3060,7 @@
           </p:nvSpPr>
           <p:spPr>
             <a:xfrm>
-              <a:off x="4284320" y="5975398"/>
+              <a:off x="4284320" y="5976159"/>
               <a:ext cx="2817450" cy="0"/>
             </a:xfrm>
             <a:custGeom>
@@ -3103,7 +3103,7 @@
           </p:nvSpPr>
           <p:spPr>
             <a:xfrm>
-              <a:off x="4284320" y="4285500"/>
+              <a:off x="4284320" y="4286000"/>
               <a:ext cx="2817450" cy="0"/>
             </a:xfrm>
             <a:custGeom>
@@ -3146,7 +3146,7 @@
           </p:nvSpPr>
           <p:spPr>
             <a:xfrm>
-              <a:off x="4284320" y="2595601"/>
+              <a:off x="4284320" y="2595840"/>
               <a:ext cx="2817450" cy="0"/>
             </a:xfrm>
             <a:custGeom>
@@ -3189,7 +3189,7 @@
           </p:nvSpPr>
           <p:spPr>
             <a:xfrm>
-              <a:off x="4284320" y="6820347"/>
+              <a:off x="4284320" y="6821238"/>
               <a:ext cx="2817450" cy="0"/>
             </a:xfrm>
             <a:custGeom>
@@ -3232,7 +3232,7 @@
           </p:nvSpPr>
           <p:spPr>
             <a:xfrm>
-              <a:off x="4284320" y="5130449"/>
+              <a:off x="4284320" y="5131079"/>
               <a:ext cx="2817450" cy="0"/>
             </a:xfrm>
             <a:custGeom>
@@ -3275,7 +3275,7 @@
           </p:nvSpPr>
           <p:spPr>
             <a:xfrm>
-              <a:off x="4284320" y="3440550"/>
+              <a:off x="4284320" y="3440920"/>
               <a:ext cx="2817450" cy="0"/>
             </a:xfrm>
             <a:custGeom>
@@ -3318,7 +3318,7 @@
           </p:nvSpPr>
           <p:spPr>
             <a:xfrm>
-              <a:off x="4284320" y="1750652"/>
+              <a:off x="4284320" y="1750761"/>
               <a:ext cx="2817450" cy="0"/>
             </a:xfrm>
             <a:custGeom>
@@ -3447,7 +3447,7 @@
           </p:nvSpPr>
           <p:spPr>
             <a:xfrm>
-              <a:off x="6661243" y="6009179"/>
+              <a:off x="6522604" y="6009187"/>
               <a:ext cx="63202" cy="63202"/>
             </a:xfrm>
             <a:custGeom>
@@ -3490,7 +3490,7 @@
           </p:nvSpPr>
           <p:spPr>
             <a:xfrm>
-              <a:off x="6042746" y="5676892"/>
+              <a:off x="6293672" y="5676301"/>
               <a:ext cx="63202" cy="63202"/>
             </a:xfrm>
             <a:custGeom>
@@ -3589,7 +3589,7 @@
           </p:nvSpPr>
           <p:spPr>
             <a:xfrm>
-              <a:off x="7171360" y="5975398"/>
+              <a:off x="7171360" y="5976159"/>
               <a:ext cx="2817450" cy="0"/>
             </a:xfrm>
             <a:custGeom>
@@ -3632,7 +3632,7 @@
           </p:nvSpPr>
           <p:spPr>
             <a:xfrm>
-              <a:off x="7171360" y="4285500"/>
+              <a:off x="7171360" y="4286000"/>
               <a:ext cx="2817450" cy="0"/>
             </a:xfrm>
             <a:custGeom>
@@ -3675,7 +3675,7 @@
           </p:nvSpPr>
           <p:spPr>
             <a:xfrm>
-              <a:off x="7171360" y="2595601"/>
+              <a:off x="7171360" y="2595840"/>
               <a:ext cx="2817450" cy="0"/>
             </a:xfrm>
             <a:custGeom>
@@ -3718,7 +3718,7 @@
           </p:nvSpPr>
           <p:spPr>
             <a:xfrm>
-              <a:off x="7171360" y="6820347"/>
+              <a:off x="7171360" y="6821238"/>
               <a:ext cx="2817450" cy="0"/>
             </a:xfrm>
             <a:custGeom>
@@ -3761,7 +3761,7 @@
           </p:nvSpPr>
           <p:spPr>
             <a:xfrm>
-              <a:off x="7171360" y="5130449"/>
+              <a:off x="7171360" y="5131079"/>
               <a:ext cx="2817450" cy="0"/>
             </a:xfrm>
             <a:custGeom>
@@ -3804,7 +3804,7 @@
           </p:nvSpPr>
           <p:spPr>
             <a:xfrm>
-              <a:off x="7171360" y="3440550"/>
+              <a:off x="7171360" y="3440920"/>
               <a:ext cx="2817450" cy="0"/>
             </a:xfrm>
             <a:custGeom>
@@ -3847,7 +3847,7 @@
           </p:nvSpPr>
           <p:spPr>
             <a:xfrm>
-              <a:off x="7171360" y="1750652"/>
+              <a:off x="7171360" y="1750761"/>
               <a:ext cx="2817450" cy="0"/>
             </a:xfrm>
             <a:custGeom>
@@ -3976,7 +3976,7 @@
           </p:nvSpPr>
           <p:spPr>
             <a:xfrm>
-              <a:off x="8294050" y="2992985"/>
+              <a:off x="7597950" y="2994355"/>
               <a:ext cx="63202" cy="63202"/>
             </a:xfrm>
             <a:custGeom>
@@ -4019,7 +4019,7 @@
           </p:nvSpPr>
           <p:spPr>
             <a:xfrm>
-              <a:off x="8191848" y="3269404"/>
+              <a:off x="8149469" y="3270881"/>
               <a:ext cx="63202" cy="63202"/>
             </a:xfrm>
             <a:custGeom>
@@ -4062,7 +4062,7 @@
           </p:nvSpPr>
           <p:spPr>
             <a:xfrm>
-              <a:off x="8705896" y="6634049"/>
+              <a:off x="8740606" y="6634049"/>
               <a:ext cx="63202" cy="63202"/>
             </a:xfrm>
             <a:custGeom>
@@ -4105,7 +4105,7 @@
           </p:nvSpPr>
           <p:spPr>
             <a:xfrm>
-              <a:off x="9131914" y="6466989"/>
+              <a:off x="8779169" y="6469620"/>
               <a:ext cx="63202" cy="63202"/>
             </a:xfrm>
             <a:custGeom>
@@ -4148,7 +4148,7 @@
           </p:nvSpPr>
           <p:spPr>
             <a:xfrm>
-              <a:off x="8803338" y="5156906"/>
+              <a:off x="8910045" y="5157915"/>
               <a:ext cx="63202" cy="63202"/>
             </a:xfrm>
             <a:custGeom>
@@ -4191,7 +4191,7 @@
           </p:nvSpPr>
           <p:spPr>
             <a:xfrm>
-              <a:off x="8290082" y="3440017"/>
+              <a:off x="8229278" y="3440895"/>
               <a:ext cx="63202" cy="63202"/>
             </a:xfrm>
             <a:custGeom>
@@ -4234,7 +4234,7 @@
           </p:nvSpPr>
           <p:spPr>
             <a:xfrm>
-              <a:off x="9248851" y="6137052"/>
+              <a:off x="8792773" y="6136929"/>
               <a:ext cx="63202" cy="63202"/>
             </a:xfrm>
             <a:custGeom>
@@ -4277,7 +4277,7 @@
           </p:nvSpPr>
           <p:spPr>
             <a:xfrm>
-              <a:off x="9659823" y="5775996"/>
+              <a:off x="9563475" y="5775533"/>
               <a:ext cx="63202" cy="63202"/>
             </a:xfrm>
             <a:custGeom>
@@ -4320,7 +4320,7 @@
           </p:nvSpPr>
           <p:spPr>
             <a:xfrm>
-              <a:off x="7983772" y="4653404"/>
+              <a:off x="7844660" y="4654095"/>
               <a:ext cx="63202" cy="63202"/>
             </a:xfrm>
             <a:custGeom>
@@ -4363,7 +4363,7 @@
           </p:nvSpPr>
           <p:spPr>
             <a:xfrm>
-              <a:off x="8034176" y="2272006"/>
+              <a:off x="8005953" y="2274183"/>
               <a:ext cx="63202" cy="63202"/>
             </a:xfrm>
             <a:custGeom>
@@ -4406,7 +4406,7 @@
           </p:nvSpPr>
           <p:spPr>
             <a:xfrm>
-              <a:off x="7934856" y="2872771"/>
+              <a:off x="8081671" y="2870817"/>
               <a:ext cx="63202" cy="63202"/>
             </a:xfrm>
             <a:custGeom>
@@ -4449,7 +4449,7 @@
           </p:nvSpPr>
           <p:spPr>
             <a:xfrm>
-              <a:off x="7730762" y="2461654"/>
+              <a:off x="8345243" y="2463745"/>
               <a:ext cx="63202" cy="63202"/>
             </a:xfrm>
             <a:custGeom>
@@ -4492,7 +4492,7 @@
           </p:nvSpPr>
           <p:spPr>
             <a:xfrm>
-              <a:off x="7942384" y="4709356"/>
+              <a:off x="7585178" y="4711673"/>
               <a:ext cx="63202" cy="63202"/>
             </a:xfrm>
             <a:custGeom>
@@ -4535,7 +4535,7 @@
           </p:nvSpPr>
           <p:spPr>
             <a:xfrm>
-              <a:off x="8045897" y="2577935"/>
+              <a:off x="7713512" y="2577165"/>
               <a:ext cx="63202" cy="63202"/>
             </a:xfrm>
             <a:custGeom>
@@ -4578,7 +4578,7 @@
           </p:nvSpPr>
           <p:spPr>
             <a:xfrm>
-              <a:off x="7878403" y="2235132"/>
+              <a:off x="8329718" y="2236603"/>
               <a:ext cx="63202" cy="63202"/>
             </a:xfrm>
             <a:custGeom>
@@ -4621,7 +4621,7 @@
           </p:nvSpPr>
           <p:spPr>
             <a:xfrm>
-              <a:off x="8290824" y="2235386"/>
+              <a:off x="8393941" y="2237342"/>
               <a:ext cx="63202" cy="63202"/>
             </a:xfrm>
             <a:custGeom>
@@ -4664,7 +4664,7 @@
           </p:nvSpPr>
           <p:spPr>
             <a:xfrm>
-              <a:off x="8350002" y="2235027"/>
+              <a:off x="7829267" y="2237641"/>
               <a:ext cx="63202" cy="63202"/>
             </a:xfrm>
             <a:custGeom>
@@ -4707,7 +4707,7 @@
           </p:nvSpPr>
           <p:spPr>
             <a:xfrm>
-              <a:off x="7669232" y="2236928"/>
+              <a:off x="7482805" y="2236095"/>
               <a:ext cx="63202" cy="63202"/>
             </a:xfrm>
             <a:custGeom>
@@ -4750,7 +4750,7 @@
           </p:nvSpPr>
           <p:spPr>
             <a:xfrm>
-              <a:off x="7516600" y="2235278"/>
+              <a:off x="8386281" y="2236050"/>
               <a:ext cx="63202" cy="63202"/>
             </a:xfrm>
             <a:custGeom>
@@ -4793,7 +4793,7 @@
           </p:nvSpPr>
           <p:spPr>
             <a:xfrm>
-              <a:off x="7750607" y="4896970"/>
+              <a:off x="7798426" y="4897355"/>
               <a:ext cx="63202" cy="63202"/>
             </a:xfrm>
             <a:custGeom>
@@ -4836,7 +4836,7 @@
           </p:nvSpPr>
           <p:spPr>
             <a:xfrm>
-              <a:off x="8186607" y="4483747"/>
+              <a:off x="8375767" y="4483991"/>
               <a:ext cx="63202" cy="63202"/>
             </a:xfrm>
             <a:custGeom>
@@ -4879,7 +4879,7 @@
           </p:nvSpPr>
           <p:spPr>
             <a:xfrm>
-              <a:off x="7676584" y="2576713"/>
+              <a:off x="7816086" y="2579051"/>
               <a:ext cx="63202" cy="63202"/>
             </a:xfrm>
             <a:custGeom>
@@ -4922,7 +4922,7 @@
           </p:nvSpPr>
           <p:spPr>
             <a:xfrm>
-              <a:off x="8338845" y="3364548"/>
+              <a:off x="7558378" y="3365492"/>
               <a:ext cx="63202" cy="63202"/>
             </a:xfrm>
             <a:custGeom>
@@ -4965,7 +4965,7 @@
           </p:nvSpPr>
           <p:spPr>
             <a:xfrm>
-              <a:off x="7559207" y="3199816"/>
+              <a:off x="7517435" y="3200869"/>
               <a:ext cx="63202" cy="63202"/>
             </a:xfrm>
             <a:custGeom>
@@ -5008,7 +5008,7 @@
           </p:nvSpPr>
           <p:spPr>
             <a:xfrm>
-              <a:off x="7849134" y="4932441"/>
+              <a:off x="7944987" y="4932895"/>
               <a:ext cx="63202" cy="63202"/>
             </a:xfrm>
             <a:custGeom>
@@ -5051,7 +5051,7 @@
           </p:nvSpPr>
           <p:spPr>
             <a:xfrm>
-              <a:off x="8146594" y="4536937"/>
+              <a:off x="8386663" y="4538929"/>
               <a:ext cx="63202" cy="63202"/>
             </a:xfrm>
             <a:custGeom>
@@ -5094,7 +5094,7 @@
           </p:nvSpPr>
           <p:spPr>
             <a:xfrm>
-              <a:off x="9025690" y="5108297"/>
+              <a:off x="8892892" y="5110740"/>
               <a:ext cx="63202" cy="63202"/>
             </a:xfrm>
             <a:custGeom>
@@ -5137,7 +5137,7 @@
           </p:nvSpPr>
           <p:spPr>
             <a:xfrm>
-              <a:off x="8114895" y="2036248"/>
+              <a:off x="8017881" y="2037931"/>
               <a:ext cx="63202" cy="63202"/>
             </a:xfrm>
             <a:custGeom>
@@ -5180,7 +5180,7 @@
           </p:nvSpPr>
           <p:spPr>
             <a:xfrm>
-              <a:off x="7762985" y="3124701"/>
+              <a:off x="8054856" y="3126626"/>
               <a:ext cx="63202" cy="63202"/>
             </a:xfrm>
             <a:custGeom>
@@ -5223,7 +5223,7 @@
           </p:nvSpPr>
           <p:spPr>
             <a:xfrm>
-              <a:off x="7869946" y="3450592"/>
+              <a:off x="7632831" y="3449137"/>
               <a:ext cx="63202" cy="63202"/>
             </a:xfrm>
             <a:custGeom>
@@ -5266,7 +5266,7 @@
           </p:nvSpPr>
           <p:spPr>
             <a:xfrm>
-              <a:off x="7546132" y="4494080"/>
+              <a:off x="7605324" y="4495112"/>
               <a:ext cx="63202" cy="63202"/>
             </a:xfrm>
             <a:custGeom>
@@ -5309,7 +5309,7 @@
           </p:nvSpPr>
           <p:spPr>
             <a:xfrm>
-              <a:off x="7638193" y="2406385"/>
+              <a:off x="7637776" y="2405440"/>
               <a:ext cx="63202" cy="63202"/>
             </a:xfrm>
             <a:custGeom>
@@ -5352,7 +5352,7 @@
           </p:nvSpPr>
           <p:spPr>
             <a:xfrm>
-              <a:off x="8230919" y="2272723"/>
+              <a:off x="7780991" y="2273221"/>
               <a:ext cx="63202" cy="63202"/>
             </a:xfrm>
             <a:custGeom>
@@ -5395,7 +5395,7 @@
           </p:nvSpPr>
           <p:spPr>
             <a:xfrm>
-              <a:off x="8153802" y="3575409"/>
+              <a:off x="7513322" y="3574025"/>
               <a:ext cx="63202" cy="63202"/>
             </a:xfrm>
             <a:custGeom>
@@ -5438,7 +5438,7 @@
           </p:nvSpPr>
           <p:spPr>
             <a:xfrm>
-              <a:off x="8329264" y="4558830"/>
+              <a:off x="7844842" y="4559669"/>
               <a:ext cx="63202" cy="63202"/>
             </a:xfrm>
             <a:custGeom>
@@ -5481,7 +5481,7 @@
           </p:nvSpPr>
           <p:spPr>
             <a:xfrm>
-              <a:off x="7787539" y="2157969"/>
+              <a:off x="7542792" y="2159774"/>
               <a:ext cx="63202" cy="63202"/>
             </a:xfrm>
             <a:custGeom>
@@ -5524,7 +5524,7 @@
           </p:nvSpPr>
           <p:spPr>
             <a:xfrm>
-              <a:off x="7748744" y="2469217"/>
+              <a:off x="7625508" y="2468556"/>
               <a:ext cx="63202" cy="63202"/>
             </a:xfrm>
             <a:custGeom>
@@ -5567,7 +5567,7 @@
           </p:nvSpPr>
           <p:spPr>
             <a:xfrm>
-              <a:off x="8315066" y="2084419"/>
+              <a:off x="7839119" y="2084590"/>
               <a:ext cx="63202" cy="63202"/>
             </a:xfrm>
             <a:custGeom>
@@ -5610,7 +5610,7 @@
           </p:nvSpPr>
           <p:spPr>
             <a:xfrm>
-              <a:off x="7670455" y="2463018"/>
+              <a:off x="7546273" y="2462069"/>
               <a:ext cx="63202" cy="63202"/>
             </a:xfrm>
             <a:custGeom>
@@ -5653,7 +5653,7 @@
           </p:nvSpPr>
           <p:spPr>
             <a:xfrm>
-              <a:off x="7625636" y="2033742"/>
+              <a:off x="8363617" y="2032938"/>
               <a:ext cx="63202" cy="63202"/>
             </a:xfrm>
             <a:custGeom>
@@ -5696,7 +5696,7 @@
           </p:nvSpPr>
           <p:spPr>
             <a:xfrm>
-              <a:off x="8241345" y="2739994"/>
+              <a:off x="7475225" y="2738730"/>
               <a:ext cx="63202" cy="63202"/>
             </a:xfrm>
             <a:custGeom>
@@ -5739,7 +5739,7 @@
           </p:nvSpPr>
           <p:spPr>
             <a:xfrm>
-              <a:off x="8002088" y="1641734"/>
+              <a:off x="7761584" y="1641734"/>
               <a:ext cx="63202" cy="63202"/>
             </a:xfrm>
             <a:custGeom>
@@ -5782,7 +5782,7 @@
           </p:nvSpPr>
           <p:spPr>
             <a:xfrm>
-              <a:off x="7921541" y="3232231"/>
+              <a:off x="7559969" y="3233994"/>
               <a:ext cx="63202" cy="63202"/>
             </a:xfrm>
             <a:custGeom>
@@ -5825,7 +5825,7 @@
           </p:nvSpPr>
           <p:spPr>
             <a:xfrm>
-              <a:off x="8378697" y="2631684"/>
+              <a:off x="8355674" y="2633121"/>
               <a:ext cx="63202" cy="63202"/>
             </a:xfrm>
             <a:custGeom>
@@ -5868,7 +5868,7 @@
           </p:nvSpPr>
           <p:spPr>
             <a:xfrm>
-              <a:off x="8326004" y="2511107"/>
+              <a:off x="7548729" y="2510823"/>
               <a:ext cx="63202" cy="63202"/>
             </a:xfrm>
             <a:custGeom>
@@ -5911,7 +5911,7 @@
           </p:nvSpPr>
           <p:spPr>
             <a:xfrm>
-              <a:off x="8336890" y="2736817"/>
+              <a:off x="8211582" y="2735607"/>
               <a:ext cx="63202" cy="63202"/>
             </a:xfrm>
             <a:custGeom>
@@ -5954,7 +5954,7 @@
           </p:nvSpPr>
           <p:spPr>
             <a:xfrm>
-              <a:off x="8290077" y="3243293"/>
+              <a:off x="8027596" y="3242622"/>
               <a:ext cx="63202" cy="63202"/>
             </a:xfrm>
             <a:custGeom>
@@ -5997,7 +5997,7 @@
           </p:nvSpPr>
           <p:spPr>
             <a:xfrm>
-              <a:off x="7576339" y="2933482"/>
+              <a:off x="8205891" y="2931842"/>
               <a:ext cx="63202" cy="63202"/>
             </a:xfrm>
             <a:custGeom>
@@ -6040,7 +6040,7 @@
           </p:nvSpPr>
           <p:spPr>
             <a:xfrm>
-              <a:off x="7882604" y="3088603"/>
+              <a:off x="8195163" y="3087825"/>
               <a:ext cx="63202" cy="63202"/>
             </a:xfrm>
             <a:custGeom>
@@ -6083,7 +6083,7 @@
           </p:nvSpPr>
           <p:spPr>
             <a:xfrm>
-              <a:off x="7677849" y="3016332"/>
+              <a:off x="8026756" y="3016198"/>
               <a:ext cx="63202" cy="63202"/>
             </a:xfrm>
             <a:custGeom>
@@ -6126,7 +6126,7 @@
           </p:nvSpPr>
           <p:spPr>
             <a:xfrm>
-              <a:off x="7960427" y="3286643"/>
+              <a:off x="7432866" y="3286895"/>
               <a:ext cx="63202" cy="63202"/>
             </a:xfrm>
             <a:custGeom>
@@ -6169,7 +6169,7 @@
           </p:nvSpPr>
           <p:spPr>
             <a:xfrm>
-              <a:off x="7591120" y="3768213"/>
+              <a:off x="7445579" y="3767354"/>
               <a:ext cx="63202" cy="63202"/>
             </a:xfrm>
             <a:custGeom>
@@ -7001,7 +7001,7 @@
           </p:nvSpPr>
           <p:spPr>
             <a:xfrm>
-              <a:off x="1148183" y="6778656"/>
+              <a:off x="1148183" y="6779547"/>
               <a:ext cx="186466" cy="81691"/>
             </a:xfrm>
             <a:prstGeom prst="rect">
@@ -7047,7 +7047,7 @@
           </p:nvSpPr>
           <p:spPr>
             <a:xfrm>
-              <a:off x="1148183" y="5088757"/>
+              <a:off x="1148183" y="5089387"/>
               <a:ext cx="186466" cy="81691"/>
             </a:xfrm>
             <a:prstGeom prst="rect">
@@ -7093,7 +7093,7 @@
           </p:nvSpPr>
           <p:spPr>
             <a:xfrm>
-              <a:off x="1148183" y="3398859"/>
+              <a:off x="1148183" y="3399228"/>
               <a:ext cx="186466" cy="81691"/>
             </a:xfrm>
             <a:prstGeom prst="rect">
@@ -7139,7 +7139,7 @@
           </p:nvSpPr>
           <p:spPr>
             <a:xfrm>
-              <a:off x="1148183" y="1708960"/>
+              <a:off x="1148183" y="1709069"/>
               <a:ext cx="186466" cy="81691"/>
             </a:xfrm>
             <a:prstGeom prst="rect">
@@ -7185,7 +7185,7 @@
           </p:nvSpPr>
           <p:spPr>
             <a:xfrm>
-              <a:off x="1362485" y="6820347"/>
+              <a:off x="1362485" y="6821238"/>
               <a:ext cx="34794" cy="0"/>
             </a:xfrm>
             <a:custGeom>
@@ -7225,7 +7225,7 @@
           </p:nvSpPr>
           <p:spPr>
             <a:xfrm>
-              <a:off x="1362485" y="5130449"/>
+              <a:off x="1362485" y="5131079"/>
               <a:ext cx="34794" cy="0"/>
             </a:xfrm>
             <a:custGeom>
@@ -7265,7 +7265,7 @@
           </p:nvSpPr>
           <p:spPr>
             <a:xfrm>
-              <a:off x="1362485" y="3440550"/>
+              <a:off x="1362485" y="3440920"/>
               <a:ext cx="34794" cy="0"/>
             </a:xfrm>
             <a:custGeom>
@@ -7305,7 +7305,7 @@
           </p:nvSpPr>
           <p:spPr>
             <a:xfrm>
-              <a:off x="1362485" y="1750652"/>
+              <a:off x="1362485" y="1750761"/>
               <a:ext cx="34794" cy="0"/>
             </a:xfrm>
             <a:custGeom>

--- a/Images/Figures_PPT/Jitter_Plot_SIN1_Domain.pptx
+++ b/Images/Figures_PPT/Jitter_Plot_SIN1_Domain.pptx
@@ -2359,7 +2359,7 @@
           </p:nvSpPr>
           <p:spPr>
             <a:xfrm>
-              <a:off x="1397280" y="5976159"/>
+              <a:off x="1397280" y="5975951"/>
               <a:ext cx="2817450" cy="0"/>
             </a:xfrm>
             <a:custGeom>
@@ -2402,7 +2402,7 @@
           </p:nvSpPr>
           <p:spPr>
             <a:xfrm>
-              <a:off x="1397280" y="4286000"/>
+              <a:off x="1397280" y="4286002"/>
               <a:ext cx="2817450" cy="0"/>
             </a:xfrm>
             <a:custGeom>
@@ -2445,7 +2445,7 @@
           </p:nvSpPr>
           <p:spPr>
             <a:xfrm>
-              <a:off x="1397280" y="2595840"/>
+              <a:off x="1397280" y="2596053"/>
               <a:ext cx="2817450" cy="0"/>
             </a:xfrm>
             <a:custGeom>
@@ -2488,7 +2488,7 @@
           </p:nvSpPr>
           <p:spPr>
             <a:xfrm>
-              <a:off x="1397280" y="6821238"/>
+              <a:off x="1397280" y="6820925"/>
               <a:ext cx="2817450" cy="0"/>
             </a:xfrm>
             <a:custGeom>
@@ -2531,7 +2531,7 @@
           </p:nvSpPr>
           <p:spPr>
             <a:xfrm>
-              <a:off x="1397280" y="5131079"/>
+              <a:off x="1397280" y="5130976"/>
               <a:ext cx="2817450" cy="0"/>
             </a:xfrm>
             <a:custGeom>
@@ -2574,7 +2574,7 @@
           </p:nvSpPr>
           <p:spPr>
             <a:xfrm>
-              <a:off x="1397280" y="3440920"/>
+              <a:off x="1397280" y="3441028"/>
               <a:ext cx="2817450" cy="0"/>
             </a:xfrm>
             <a:custGeom>
@@ -2617,7 +2617,7 @@
           </p:nvSpPr>
           <p:spPr>
             <a:xfrm>
-              <a:off x="1397280" y="1750761"/>
+              <a:off x="1397280" y="1751079"/>
               <a:ext cx="2817450" cy="0"/>
             </a:xfrm>
             <a:custGeom>
@@ -2746,7 +2746,7 @@
           </p:nvSpPr>
           <p:spPr>
             <a:xfrm>
-              <a:off x="2480268" y="3298377"/>
+              <a:off x="1698798" y="3298083"/>
               <a:ext cx="63202" cy="63202"/>
             </a:xfrm>
             <a:custGeom>
@@ -2789,7 +2789,7 @@
           </p:nvSpPr>
           <p:spPr>
             <a:xfrm>
-              <a:off x="1983064" y="3297497"/>
+              <a:off x="2470626" y="3296759"/>
               <a:ext cx="63202" cy="63202"/>
             </a:xfrm>
             <a:custGeom>
@@ -2832,7 +2832,7 @@
           </p:nvSpPr>
           <p:spPr>
             <a:xfrm>
-              <a:off x="2625246" y="3890185"/>
+              <a:off x="2092583" y="3888597"/>
               <a:ext cx="63202" cy="63202"/>
             </a:xfrm>
             <a:custGeom>
@@ -2875,7 +2875,7 @@
           </p:nvSpPr>
           <p:spPr>
             <a:xfrm>
-              <a:off x="2451676" y="3314944"/>
+              <a:off x="2530141" y="3313906"/>
               <a:ext cx="63202" cy="63202"/>
             </a:xfrm>
             <a:custGeom>
@@ -2918,7 +2918,7 @@
           </p:nvSpPr>
           <p:spPr>
             <a:xfrm>
-              <a:off x="2369998" y="3749600"/>
+              <a:off x="1875538" y="3749644"/>
               <a:ext cx="63202" cy="63202"/>
             </a:xfrm>
             <a:custGeom>
@@ -2961,7 +2961,7 @@
           </p:nvSpPr>
           <p:spPr>
             <a:xfrm>
-              <a:off x="1889364" y="3699364"/>
+              <a:off x="2509040" y="3699547"/>
               <a:ext cx="63202" cy="63202"/>
             </a:xfrm>
             <a:custGeom>
@@ -3060,7 +3060,7 @@
           </p:nvSpPr>
           <p:spPr>
             <a:xfrm>
-              <a:off x="4284320" y="5976159"/>
+              <a:off x="4284320" y="5975951"/>
               <a:ext cx="2817450" cy="0"/>
             </a:xfrm>
             <a:custGeom>
@@ -3103,7 +3103,7 @@
           </p:nvSpPr>
           <p:spPr>
             <a:xfrm>
-              <a:off x="4284320" y="4286000"/>
+              <a:off x="4284320" y="4286002"/>
               <a:ext cx="2817450" cy="0"/>
             </a:xfrm>
             <a:custGeom>
@@ -3146,7 +3146,7 @@
           </p:nvSpPr>
           <p:spPr>
             <a:xfrm>
-              <a:off x="4284320" y="2595840"/>
+              <a:off x="4284320" y="2596053"/>
               <a:ext cx="2817450" cy="0"/>
             </a:xfrm>
             <a:custGeom>
@@ -3189,7 +3189,7 @@
           </p:nvSpPr>
           <p:spPr>
             <a:xfrm>
-              <a:off x="4284320" y="6821238"/>
+              <a:off x="4284320" y="6820925"/>
               <a:ext cx="2817450" cy="0"/>
             </a:xfrm>
             <a:custGeom>
@@ -3232,7 +3232,7 @@
           </p:nvSpPr>
           <p:spPr>
             <a:xfrm>
-              <a:off x="4284320" y="5131079"/>
+              <a:off x="4284320" y="5130976"/>
               <a:ext cx="2817450" cy="0"/>
             </a:xfrm>
             <a:custGeom>
@@ -3275,7 +3275,7 @@
           </p:nvSpPr>
           <p:spPr>
             <a:xfrm>
-              <a:off x="4284320" y="3440920"/>
+              <a:off x="4284320" y="3441028"/>
               <a:ext cx="2817450" cy="0"/>
             </a:xfrm>
             <a:custGeom>
@@ -3318,7 +3318,7 @@
           </p:nvSpPr>
           <p:spPr>
             <a:xfrm>
-              <a:off x="4284320" y="1750761"/>
+              <a:off x="4284320" y="1751079"/>
               <a:ext cx="2817450" cy="0"/>
             </a:xfrm>
             <a:custGeom>
@@ -3447,7 +3447,7 @@
           </p:nvSpPr>
           <p:spPr>
             <a:xfrm>
-              <a:off x="6522604" y="6009187"/>
+              <a:off x="6271224" y="6009773"/>
               <a:ext cx="63202" cy="63202"/>
             </a:xfrm>
             <a:custGeom>
@@ -3490,7 +3490,7 @@
           </p:nvSpPr>
           <p:spPr>
             <a:xfrm>
-              <a:off x="6293672" y="5676301"/>
+              <a:off x="6545322" y="5677073"/>
               <a:ext cx="63202" cy="63202"/>
             </a:xfrm>
             <a:custGeom>
@@ -3589,7 +3589,7 @@
           </p:nvSpPr>
           <p:spPr>
             <a:xfrm>
-              <a:off x="7171360" y="5976159"/>
+              <a:off x="7171360" y="5975951"/>
               <a:ext cx="2817450" cy="0"/>
             </a:xfrm>
             <a:custGeom>
@@ -3632,7 +3632,7 @@
           </p:nvSpPr>
           <p:spPr>
             <a:xfrm>
-              <a:off x="7171360" y="4286000"/>
+              <a:off x="7171360" y="4286002"/>
               <a:ext cx="2817450" cy="0"/>
             </a:xfrm>
             <a:custGeom>
@@ -3675,7 +3675,7 @@
           </p:nvSpPr>
           <p:spPr>
             <a:xfrm>
-              <a:off x="7171360" y="2595840"/>
+              <a:off x="7171360" y="2596053"/>
               <a:ext cx="2817450" cy="0"/>
             </a:xfrm>
             <a:custGeom>
@@ -3718,7 +3718,7 @@
           </p:nvSpPr>
           <p:spPr>
             <a:xfrm>
-              <a:off x="7171360" y="6821238"/>
+              <a:off x="7171360" y="6820925"/>
               <a:ext cx="2817450" cy="0"/>
             </a:xfrm>
             <a:custGeom>
@@ -3761,7 +3761,7 @@
           </p:nvSpPr>
           <p:spPr>
             <a:xfrm>
-              <a:off x="7171360" y="5131079"/>
+              <a:off x="7171360" y="5130976"/>
               <a:ext cx="2817450" cy="0"/>
             </a:xfrm>
             <a:custGeom>
@@ -3804,7 +3804,7 @@
           </p:nvSpPr>
           <p:spPr>
             <a:xfrm>
-              <a:off x="7171360" y="3440920"/>
+              <a:off x="7171360" y="3441028"/>
               <a:ext cx="2817450" cy="0"/>
             </a:xfrm>
             <a:custGeom>
@@ -3847,7 +3847,7 @@
           </p:nvSpPr>
           <p:spPr>
             <a:xfrm>
-              <a:off x="7171360" y="1750761"/>
+              <a:off x="7171360" y="1751079"/>
               <a:ext cx="2817450" cy="0"/>
             </a:xfrm>
             <a:custGeom>
@@ -3976,7 +3976,7 @@
           </p:nvSpPr>
           <p:spPr>
             <a:xfrm>
-              <a:off x="7597950" y="2994355"/>
+              <a:off x="7867243" y="2993081"/>
               <a:ext cx="63202" cy="63202"/>
             </a:xfrm>
             <a:custGeom>
@@ -4019,7 +4019,7 @@
           </p:nvSpPr>
           <p:spPr>
             <a:xfrm>
-              <a:off x="8149469" y="3270881"/>
+              <a:off x="7403615" y="3269515"/>
               <a:ext cx="63202" cy="63202"/>
             </a:xfrm>
             <a:custGeom>
@@ -4062,7 +4062,7 @@
           </p:nvSpPr>
           <p:spPr>
             <a:xfrm>
-              <a:off x="8740606" y="6634049"/>
+              <a:off x="9040157" y="6634049"/>
               <a:ext cx="63202" cy="63202"/>
             </a:xfrm>
             <a:custGeom>
@@ -4105,7 +4105,7 @@
           </p:nvSpPr>
           <p:spPr>
             <a:xfrm>
-              <a:off x="8779169" y="6469620"/>
+              <a:off x="8687632" y="6469291"/>
               <a:ext cx="63202" cy="63202"/>
             </a:xfrm>
             <a:custGeom>
@@ -4148,7 +4148,7 @@
           </p:nvSpPr>
           <p:spPr>
             <a:xfrm>
-              <a:off x="8910045" y="5157915"/>
+              <a:off x="9498209" y="5155555"/>
               <a:ext cx="63202" cy="63202"/>
             </a:xfrm>
             <a:custGeom>
@@ -4191,7 +4191,7 @@
           </p:nvSpPr>
           <p:spPr>
             <a:xfrm>
-              <a:off x="8229278" y="3440895"/>
+              <a:off x="7579230" y="3440366"/>
               <a:ext cx="63202" cy="63202"/>
             </a:xfrm>
             <a:custGeom>
@@ -4234,7 +4234,7 @@
           </p:nvSpPr>
           <p:spPr>
             <a:xfrm>
-              <a:off x="8792773" y="6136929"/>
+              <a:off x="9215325" y="6137841"/>
               <a:ext cx="63202" cy="63202"/>
             </a:xfrm>
             <a:custGeom>
@@ -4277,7 +4277,7 @@
           </p:nvSpPr>
           <p:spPr>
             <a:xfrm>
-              <a:off x="9563475" y="5775533"/>
+              <a:off x="9570687" y="5774357"/>
               <a:ext cx="63202" cy="63202"/>
             </a:xfrm>
             <a:custGeom>
@@ -4320,7 +4320,7 @@
           </p:nvSpPr>
           <p:spPr>
             <a:xfrm>
-              <a:off x="7844660" y="4654095"/>
+              <a:off x="8184952" y="4653978"/>
               <a:ext cx="63202" cy="63202"/>
             </a:xfrm>
             <a:custGeom>
@@ -4363,7 +4363,7 @@
           </p:nvSpPr>
           <p:spPr>
             <a:xfrm>
-              <a:off x="8005953" y="2274183"/>
+              <a:off x="8406046" y="2272476"/>
               <a:ext cx="63202" cy="63202"/>
             </a:xfrm>
             <a:custGeom>
@@ -4406,7 +4406,7 @@
           </p:nvSpPr>
           <p:spPr>
             <a:xfrm>
-              <a:off x="8081671" y="2870817"/>
+              <a:off x="7528690" y="2873129"/>
               <a:ext cx="63202" cy="63202"/>
             </a:xfrm>
             <a:custGeom>
@@ -4449,7 +4449,7 @@
           </p:nvSpPr>
           <p:spPr>
             <a:xfrm>
-              <a:off x="8345243" y="2463745"/>
+              <a:off x="8228453" y="2463577"/>
               <a:ext cx="63202" cy="63202"/>
             </a:xfrm>
             <a:custGeom>
@@ -4492,7 +4492,7 @@
           </p:nvSpPr>
           <p:spPr>
             <a:xfrm>
-              <a:off x="7585178" y="4711673"/>
+              <a:off x="8234143" y="4711890"/>
               <a:ext cx="63202" cy="63202"/>
             </a:xfrm>
             <a:custGeom>
@@ -4535,7 +4535,7 @@
           </p:nvSpPr>
           <p:spPr>
             <a:xfrm>
-              <a:off x="7713512" y="2577165"/>
+              <a:off x="7486068" y="2578176"/>
               <a:ext cx="63202" cy="63202"/>
             </a:xfrm>
             <a:custGeom>
@@ -4578,7 +4578,7 @@
           </p:nvSpPr>
           <p:spPr>
             <a:xfrm>
-              <a:off x="8329718" y="2236603"/>
+              <a:off x="8247294" y="2235357"/>
               <a:ext cx="63202" cy="63202"/>
             </a:xfrm>
             <a:custGeom>
@@ -4621,7 +4621,7 @@
           </p:nvSpPr>
           <p:spPr>
             <a:xfrm>
-              <a:off x="8393941" y="2237342"/>
+              <a:off x="7982031" y="2237065"/>
               <a:ext cx="63202" cy="63202"/>
             </a:xfrm>
             <a:custGeom>
@@ -4664,7 +4664,7 @@
           </p:nvSpPr>
           <p:spPr>
             <a:xfrm>
-              <a:off x="7829267" y="2237641"/>
+              <a:off x="7885640" y="2237820"/>
               <a:ext cx="63202" cy="63202"/>
             </a:xfrm>
             <a:custGeom>
@@ -4707,7 +4707,7 @@
           </p:nvSpPr>
           <p:spPr>
             <a:xfrm>
-              <a:off x="7482805" y="2236095"/>
+              <a:off x="7425268" y="2237374"/>
               <a:ext cx="63202" cy="63202"/>
             </a:xfrm>
             <a:custGeom>
@@ -4750,7 +4750,7 @@
           </p:nvSpPr>
           <p:spPr>
             <a:xfrm>
-              <a:off x="8386281" y="2236050"/>
+              <a:off x="7902520" y="2237621"/>
               <a:ext cx="63202" cy="63202"/>
             </a:xfrm>
             <a:custGeom>
@@ -4793,7 +4793,7 @@
           </p:nvSpPr>
           <p:spPr>
             <a:xfrm>
-              <a:off x="7798426" y="4897355"/>
+              <a:off x="7593211" y="4897011"/>
               <a:ext cx="63202" cy="63202"/>
             </a:xfrm>
             <a:custGeom>
@@ -4836,7 +4836,7 @@
           </p:nvSpPr>
           <p:spPr>
             <a:xfrm>
-              <a:off x="8375767" y="4483991"/>
+              <a:off x="8330314" y="4483034"/>
               <a:ext cx="63202" cy="63202"/>
             </a:xfrm>
             <a:custGeom>
@@ -4879,7 +4879,7 @@
           </p:nvSpPr>
           <p:spPr>
             <a:xfrm>
-              <a:off x="7816086" y="2579051"/>
+              <a:off x="7573474" y="2577940"/>
               <a:ext cx="63202" cy="63202"/>
             </a:xfrm>
             <a:custGeom>
@@ -4922,7 +4922,7 @@
           </p:nvSpPr>
           <p:spPr>
             <a:xfrm>
-              <a:off x="7558378" y="3365492"/>
+              <a:off x="7874407" y="3364432"/>
               <a:ext cx="63202" cy="63202"/>
             </a:xfrm>
             <a:custGeom>
@@ -4965,7 +4965,7 @@
           </p:nvSpPr>
           <p:spPr>
             <a:xfrm>
-              <a:off x="7517435" y="3200869"/>
+              <a:off x="7965141" y="3200665"/>
               <a:ext cx="63202" cy="63202"/>
             </a:xfrm>
             <a:custGeom>
@@ -5008,7 +5008,7 @@
           </p:nvSpPr>
           <p:spPr>
             <a:xfrm>
-              <a:off x="7944987" y="4932895"/>
+              <a:off x="7866936" y="4932658"/>
               <a:ext cx="63202" cy="63202"/>
             </a:xfrm>
             <a:custGeom>
@@ -5051,7 +5051,7 @@
           </p:nvSpPr>
           <p:spPr>
             <a:xfrm>
-              <a:off x="8386663" y="4538929"/>
+              <a:off x="8385680" y="4538107"/>
               <a:ext cx="63202" cy="63202"/>
             </a:xfrm>
             <a:custGeom>
@@ -5094,7 +5094,7 @@
           </p:nvSpPr>
           <p:spPr>
             <a:xfrm>
-              <a:off x="8892892" y="5110740"/>
+              <a:off x="9199688" y="5108186"/>
               <a:ext cx="63202" cy="63202"/>
             </a:xfrm>
             <a:custGeom>
@@ -5137,7 +5137,7 @@
           </p:nvSpPr>
           <p:spPr>
             <a:xfrm>
-              <a:off x="8017881" y="2037931"/>
+              <a:off x="7840482" y="2037963"/>
               <a:ext cx="63202" cy="63202"/>
             </a:xfrm>
             <a:custGeom>
@@ -5180,7 +5180,7 @@
           </p:nvSpPr>
           <p:spPr>
             <a:xfrm>
-              <a:off x="8054856" y="3126626"/>
+              <a:off x="7744102" y="3124852"/>
               <a:ext cx="63202" cy="63202"/>
             </a:xfrm>
             <a:custGeom>
@@ -5223,7 +5223,7 @@
           </p:nvSpPr>
           <p:spPr>
             <a:xfrm>
-              <a:off x="7632831" y="3449137"/>
+              <a:off x="7669195" y="3450253"/>
               <a:ext cx="63202" cy="63202"/>
             </a:xfrm>
             <a:custGeom>
@@ -5266,7 +5266,7 @@
           </p:nvSpPr>
           <p:spPr>
             <a:xfrm>
-              <a:off x="7605324" y="4495112"/>
+              <a:off x="7825698" y="4495313"/>
               <a:ext cx="63202" cy="63202"/>
             </a:xfrm>
             <a:custGeom>
@@ -5309,7 +5309,7 @@
           </p:nvSpPr>
           <p:spPr>
             <a:xfrm>
-              <a:off x="7637776" y="2405440"/>
+              <a:off x="7424041" y="2405692"/>
               <a:ext cx="63202" cy="63202"/>
             </a:xfrm>
             <a:custGeom>
@@ -5352,7 +5352,7 @@
           </p:nvSpPr>
           <p:spPr>
             <a:xfrm>
-              <a:off x="7780991" y="2273221"/>
+              <a:off x="7915917" y="2274069"/>
               <a:ext cx="63202" cy="63202"/>
             </a:xfrm>
             <a:custGeom>
@@ -5395,7 +5395,7 @@
           </p:nvSpPr>
           <p:spPr>
             <a:xfrm>
-              <a:off x="7513322" y="3574025"/>
+              <a:off x="7646863" y="3574053"/>
               <a:ext cx="63202" cy="63202"/>
             </a:xfrm>
             <a:custGeom>
@@ -5438,7 +5438,7 @@
           </p:nvSpPr>
           <p:spPr>
             <a:xfrm>
-              <a:off x="7844842" y="4559669"/>
+              <a:off x="7616234" y="4558569"/>
               <a:ext cx="63202" cy="63202"/>
             </a:xfrm>
             <a:custGeom>
@@ -5481,7 +5481,7 @@
           </p:nvSpPr>
           <p:spPr>
             <a:xfrm>
-              <a:off x="7542792" y="2159774"/>
+              <a:off x="7998287" y="2158921"/>
               <a:ext cx="63202" cy="63202"/>
             </a:xfrm>
             <a:custGeom>
@@ -5524,7 +5524,7 @@
           </p:nvSpPr>
           <p:spPr>
             <a:xfrm>
-              <a:off x="7625508" y="2468556"/>
+              <a:off x="8165251" y="2469666"/>
               <a:ext cx="63202" cy="63202"/>
             </a:xfrm>
             <a:custGeom>
@@ -5567,7 +5567,7 @@
           </p:nvSpPr>
           <p:spPr>
             <a:xfrm>
-              <a:off x="7839119" y="2084590"/>
+              <a:off x="7869765" y="2084396"/>
               <a:ext cx="63202" cy="63202"/>
             </a:xfrm>
             <a:custGeom>
@@ -5610,7 +5610,7 @@
           </p:nvSpPr>
           <p:spPr>
             <a:xfrm>
-              <a:off x="7546273" y="2462069"/>
+              <a:off x="7860837" y="2462933"/>
               <a:ext cx="63202" cy="63202"/>
             </a:xfrm>
             <a:custGeom>
@@ -5653,7 +5653,7 @@
           </p:nvSpPr>
           <p:spPr>
             <a:xfrm>
-              <a:off x="8363617" y="2032938"/>
+              <a:off x="8120389" y="2035076"/>
               <a:ext cx="63202" cy="63202"/>
             </a:xfrm>
             <a:custGeom>
@@ -5696,7 +5696,7 @@
           </p:nvSpPr>
           <p:spPr>
             <a:xfrm>
-              <a:off x="7475225" y="2738730"/>
+              <a:off x="7503686" y="2739257"/>
               <a:ext cx="63202" cy="63202"/>
             </a:xfrm>
             <a:custGeom>
@@ -5739,7 +5739,7 @@
           </p:nvSpPr>
           <p:spPr>
             <a:xfrm>
-              <a:off x="7761584" y="1641734"/>
+              <a:off x="8038088" y="1641734"/>
               <a:ext cx="63202" cy="63202"/>
             </a:xfrm>
             <a:custGeom>
@@ -5782,7 +5782,7 @@
           </p:nvSpPr>
           <p:spPr>
             <a:xfrm>
-              <a:off x="7559969" y="3233994"/>
+              <a:off x="8110101" y="3234735"/>
               <a:ext cx="63202" cy="63202"/>
             </a:xfrm>
             <a:custGeom>
@@ -5825,7 +5825,7 @@
           </p:nvSpPr>
           <p:spPr>
             <a:xfrm>
-              <a:off x="8355674" y="2633121"/>
+              <a:off x="7416166" y="2630976"/>
               <a:ext cx="63202" cy="63202"/>
             </a:xfrm>
             <a:custGeom>
@@ -5868,7 +5868,7 @@
           </p:nvSpPr>
           <p:spPr>
             <a:xfrm>
-              <a:off x="7548729" y="2510823"/>
+              <a:off x="7934021" y="2509805"/>
               <a:ext cx="63202" cy="63202"/>
             </a:xfrm>
             <a:custGeom>
@@ -5911,7 +5911,7 @@
           </p:nvSpPr>
           <p:spPr>
             <a:xfrm>
-              <a:off x="8211582" y="2735607"/>
+              <a:off x="7875827" y="2737220"/>
               <a:ext cx="63202" cy="63202"/>
             </a:xfrm>
             <a:custGeom>
@@ -5954,7 +5954,7 @@
           </p:nvSpPr>
           <p:spPr>
             <a:xfrm>
-              <a:off x="8027596" y="3242622"/>
+              <a:off x="7551407" y="3244005"/>
               <a:ext cx="63202" cy="63202"/>
             </a:xfrm>
             <a:custGeom>
@@ -5997,7 +5997,7 @@
           </p:nvSpPr>
           <p:spPr>
             <a:xfrm>
-              <a:off x="8205891" y="2931842"/>
+              <a:off x="7876282" y="2933839"/>
               <a:ext cx="63202" cy="63202"/>
             </a:xfrm>
             <a:custGeom>
@@ -6040,7 +6040,7 @@
           </p:nvSpPr>
           <p:spPr>
             <a:xfrm>
-              <a:off x="8195163" y="3087825"/>
+              <a:off x="7934455" y="3088639"/>
               <a:ext cx="63202" cy="63202"/>
             </a:xfrm>
             <a:custGeom>
@@ -6083,7 +6083,7 @@
           </p:nvSpPr>
           <p:spPr>
             <a:xfrm>
-              <a:off x="8026756" y="3016198"/>
+              <a:off x="7527193" y="3016055"/>
               <a:ext cx="63202" cy="63202"/>
             </a:xfrm>
             <a:custGeom>
@@ -6126,7 +6126,7 @@
           </p:nvSpPr>
           <p:spPr>
             <a:xfrm>
-              <a:off x="7432866" y="3286895"/>
+              <a:off x="8368988" y="3287012"/>
               <a:ext cx="63202" cy="63202"/>
             </a:xfrm>
             <a:custGeom>
@@ -6169,7 +6169,7 @@
           </p:nvSpPr>
           <p:spPr>
             <a:xfrm>
-              <a:off x="7445579" y="3767354"/>
+              <a:off x="8090960" y="3768175"/>
               <a:ext cx="63202" cy="63202"/>
             </a:xfrm>
             <a:custGeom>
@@ -7001,7 +7001,7 @@
           </p:nvSpPr>
           <p:spPr>
             <a:xfrm>
-              <a:off x="1148183" y="6779547"/>
+              <a:off x="1148183" y="6779233"/>
               <a:ext cx="186466" cy="81691"/>
             </a:xfrm>
             <a:prstGeom prst="rect">
@@ -7047,7 +7047,7 @@
           </p:nvSpPr>
           <p:spPr>
             <a:xfrm>
-              <a:off x="1148183" y="5089387"/>
+              <a:off x="1148183" y="5089285"/>
               <a:ext cx="186466" cy="81691"/>
             </a:xfrm>
             <a:prstGeom prst="rect">
@@ -7093,7 +7093,7 @@
           </p:nvSpPr>
           <p:spPr>
             <a:xfrm>
-              <a:off x="1148183" y="3399228"/>
+              <a:off x="1148183" y="3399336"/>
               <a:ext cx="186466" cy="81691"/>
             </a:xfrm>
             <a:prstGeom prst="rect">
@@ -7139,7 +7139,7 @@
           </p:nvSpPr>
           <p:spPr>
             <a:xfrm>
-              <a:off x="1148183" y="1709069"/>
+              <a:off x="1148183" y="1709387"/>
               <a:ext cx="186466" cy="81691"/>
             </a:xfrm>
             <a:prstGeom prst="rect">
@@ -7185,7 +7185,7 @@
           </p:nvSpPr>
           <p:spPr>
             <a:xfrm>
-              <a:off x="1362485" y="6821238"/>
+              <a:off x="1362485" y="6820925"/>
               <a:ext cx="34794" cy="0"/>
             </a:xfrm>
             <a:custGeom>
@@ -7225,7 +7225,7 @@
           </p:nvSpPr>
           <p:spPr>
             <a:xfrm>
-              <a:off x="1362485" y="5131079"/>
+              <a:off x="1362485" y="5130976"/>
               <a:ext cx="34794" cy="0"/>
             </a:xfrm>
             <a:custGeom>
@@ -7265,7 +7265,7 @@
           </p:nvSpPr>
           <p:spPr>
             <a:xfrm>
-              <a:off x="1362485" y="3440920"/>
+              <a:off x="1362485" y="3441028"/>
               <a:ext cx="34794" cy="0"/>
             </a:xfrm>
             <a:custGeom>
@@ -7305,7 +7305,7 @@
           </p:nvSpPr>
           <p:spPr>
             <a:xfrm>
-              <a:off x="1362485" y="1750761"/>
+              <a:off x="1362485" y="1751079"/>
               <a:ext cx="34794" cy="0"/>
             </a:xfrm>
             <a:custGeom>
